--- a/_book/plot/consumer-survey-province-1.pptx
+++ b/_book/plot/consumer-survey-province-1.pptx
@@ -3192,8 +3192,8 @@
           </p:nvSpPr>
           <p:spPr>
             <a:xfrm>
-              <a:off x="2081816" y="1811862"/>
-              <a:ext cx="6855275" cy="3834063"/>
+              <a:off x="2080073" y="1810329"/>
+              <a:ext cx="6857019" cy="3839294"/>
             </a:xfrm>
             <a:prstGeom prst="rect">
               <a:avLst/>
@@ -3218,15 +3218,15 @@
           </p:nvSpPr>
           <p:spPr>
             <a:xfrm>
-              <a:off x="3019436" y="1811862"/>
-              <a:ext cx="0" cy="3834063"/>
+              <a:off x="3017931" y="1810329"/>
+              <a:ext cx="0" cy="3839294"/>
             </a:xfrm>
             <a:custGeom>
               <a:avLst/>
               <a:pathLst>
-                <a:path w="0" h="3834063">
+                <a:path w="0" h="3839294">
                   <a:moveTo>
-                    <a:pt x="0" y="3834063"/>
+                    <a:pt x="0" y="3839294"/>
                   </a:moveTo>
                   <a:lnTo>
                     <a:pt x="0" y="0"/>
@@ -3261,15 +3261,15 @@
           </p:nvSpPr>
           <p:spPr>
             <a:xfrm>
-              <a:off x="4894676" y="1811862"/>
-              <a:ext cx="0" cy="3834063"/>
+              <a:off x="4893647" y="1810329"/>
+              <a:ext cx="0" cy="3839294"/>
             </a:xfrm>
             <a:custGeom>
               <a:avLst/>
               <a:pathLst>
-                <a:path w="0" h="3834063">
+                <a:path w="0" h="3839294">
                   <a:moveTo>
-                    <a:pt x="0" y="3834063"/>
+                    <a:pt x="0" y="3839294"/>
                   </a:moveTo>
                   <a:lnTo>
                     <a:pt x="0" y="0"/>
@@ -3304,15 +3304,15 @@
           </p:nvSpPr>
           <p:spPr>
             <a:xfrm>
-              <a:off x="6769915" y="1811862"/>
-              <a:ext cx="0" cy="3834063"/>
+              <a:off x="6769364" y="1810329"/>
+              <a:ext cx="0" cy="3839294"/>
             </a:xfrm>
             <a:custGeom>
               <a:avLst/>
               <a:pathLst>
-                <a:path w="0" h="3834063">
+                <a:path w="0" h="3839294">
                   <a:moveTo>
-                    <a:pt x="0" y="3834063"/>
+                    <a:pt x="0" y="3839294"/>
                   </a:moveTo>
                   <a:lnTo>
                     <a:pt x="0" y="0"/>
@@ -3347,15 +3347,15 @@
           </p:nvSpPr>
           <p:spPr>
             <a:xfrm>
-              <a:off x="8645155" y="1811862"/>
-              <a:ext cx="0" cy="3834063"/>
+              <a:off x="8645080" y="1810329"/>
+              <a:ext cx="0" cy="3839294"/>
             </a:xfrm>
             <a:custGeom>
               <a:avLst/>
               <a:pathLst>
-                <a:path w="0" h="3834063">
+                <a:path w="0" h="3839294">
                   <a:moveTo>
-                    <a:pt x="0" y="3834063"/>
+                    <a:pt x="0" y="3839294"/>
                   </a:moveTo>
                   <a:lnTo>
                     <a:pt x="0" y="0"/>
@@ -3390,21 +3390,21 @@
           </p:nvSpPr>
           <p:spPr>
             <a:xfrm>
-              <a:off x="2081816" y="5532043"/>
-              <a:ext cx="6855275" cy="0"/>
+              <a:off x="2080073" y="5535585"/>
+              <a:ext cx="6857019" cy="0"/>
             </a:xfrm>
             <a:custGeom>
               <a:avLst/>
               <a:pathLst>
-                <a:path w="6855275" h="0">
+                <a:path w="6857019" h="0">
                   <a:moveTo>
                     <a:pt x="0" y="0"/>
                   </a:moveTo>
                   <a:lnTo>
-                    <a:pt x="6855275" y="0"/>
-                  </a:lnTo>
-                  <a:lnTo>
-                    <a:pt x="6855275" y="0"/>
+                    <a:pt x="6857019" y="0"/>
+                  </a:lnTo>
+                  <a:lnTo>
+                    <a:pt x="6857019" y="0"/>
                   </a:lnTo>
                 </a:path>
               </a:pathLst>
@@ -3433,21 +3433,21 @@
           </p:nvSpPr>
           <p:spPr>
             <a:xfrm>
-              <a:off x="2081816" y="5342238"/>
-              <a:ext cx="6855275" cy="0"/>
+              <a:off x="2080073" y="5345521"/>
+              <a:ext cx="6857019" cy="0"/>
             </a:xfrm>
             <a:custGeom>
               <a:avLst/>
               <a:pathLst>
-                <a:path w="6855275" h="0">
+                <a:path w="6857019" h="0">
                   <a:moveTo>
                     <a:pt x="0" y="0"/>
                   </a:moveTo>
                   <a:lnTo>
-                    <a:pt x="6855275" y="0"/>
-                  </a:lnTo>
-                  <a:lnTo>
-                    <a:pt x="6855275" y="0"/>
+                    <a:pt x="6857019" y="0"/>
+                  </a:lnTo>
+                  <a:lnTo>
+                    <a:pt x="6857019" y="0"/>
                   </a:lnTo>
                 </a:path>
               </a:pathLst>
@@ -3476,21 +3476,21 @@
           </p:nvSpPr>
           <p:spPr>
             <a:xfrm>
-              <a:off x="2081816" y="5152433"/>
-              <a:ext cx="6855275" cy="0"/>
+              <a:off x="2080073" y="5155457"/>
+              <a:ext cx="6857019" cy="0"/>
             </a:xfrm>
             <a:custGeom>
               <a:avLst/>
               <a:pathLst>
-                <a:path w="6855275" h="0">
+                <a:path w="6857019" h="0">
                   <a:moveTo>
                     <a:pt x="0" y="0"/>
                   </a:moveTo>
                   <a:lnTo>
-                    <a:pt x="6855275" y="0"/>
-                  </a:lnTo>
-                  <a:lnTo>
-                    <a:pt x="6855275" y="0"/>
+                    <a:pt x="6857019" y="0"/>
+                  </a:lnTo>
+                  <a:lnTo>
+                    <a:pt x="6857019" y="0"/>
                   </a:lnTo>
                 </a:path>
               </a:pathLst>
@@ -3519,21 +3519,21 @@
           </p:nvSpPr>
           <p:spPr>
             <a:xfrm>
-              <a:off x="2081816" y="4962628"/>
-              <a:ext cx="6855275" cy="0"/>
+              <a:off x="2080073" y="4965393"/>
+              <a:ext cx="6857019" cy="0"/>
             </a:xfrm>
             <a:custGeom>
               <a:avLst/>
               <a:pathLst>
-                <a:path w="6855275" h="0">
+                <a:path w="6857019" h="0">
                   <a:moveTo>
                     <a:pt x="0" y="0"/>
                   </a:moveTo>
                   <a:lnTo>
-                    <a:pt x="6855275" y="0"/>
-                  </a:lnTo>
-                  <a:lnTo>
-                    <a:pt x="6855275" y="0"/>
+                    <a:pt x="6857019" y="0"/>
+                  </a:lnTo>
+                  <a:lnTo>
+                    <a:pt x="6857019" y="0"/>
                   </a:lnTo>
                 </a:path>
               </a:pathLst>
@@ -3562,21 +3562,21 @@
           </p:nvSpPr>
           <p:spPr>
             <a:xfrm>
-              <a:off x="2081816" y="4772822"/>
-              <a:ext cx="6855275" cy="0"/>
+              <a:off x="2080073" y="4775328"/>
+              <a:ext cx="6857019" cy="0"/>
             </a:xfrm>
             <a:custGeom>
               <a:avLst/>
               <a:pathLst>
-                <a:path w="6855275" h="0">
+                <a:path w="6857019" h="0">
                   <a:moveTo>
                     <a:pt x="0" y="0"/>
                   </a:moveTo>
                   <a:lnTo>
-                    <a:pt x="6855275" y="0"/>
-                  </a:lnTo>
-                  <a:lnTo>
-                    <a:pt x="6855275" y="0"/>
+                    <a:pt x="6857019" y="0"/>
+                  </a:lnTo>
+                  <a:lnTo>
+                    <a:pt x="6857019" y="0"/>
                   </a:lnTo>
                 </a:path>
               </a:pathLst>
@@ -3605,21 +3605,21 @@
           </p:nvSpPr>
           <p:spPr>
             <a:xfrm>
-              <a:off x="2081816" y="4583017"/>
-              <a:ext cx="6855275" cy="0"/>
+              <a:off x="2080073" y="4585264"/>
+              <a:ext cx="6857019" cy="0"/>
             </a:xfrm>
             <a:custGeom>
               <a:avLst/>
               <a:pathLst>
-                <a:path w="6855275" h="0">
+                <a:path w="6857019" h="0">
                   <a:moveTo>
                     <a:pt x="0" y="0"/>
                   </a:moveTo>
                   <a:lnTo>
-                    <a:pt x="6855275" y="0"/>
-                  </a:lnTo>
-                  <a:lnTo>
-                    <a:pt x="6855275" y="0"/>
+                    <a:pt x="6857019" y="0"/>
+                  </a:lnTo>
+                  <a:lnTo>
+                    <a:pt x="6857019" y="0"/>
                   </a:lnTo>
                 </a:path>
               </a:pathLst>
@@ -3648,21 +3648,21 @@
           </p:nvSpPr>
           <p:spPr>
             <a:xfrm>
-              <a:off x="2081816" y="4393212"/>
-              <a:ext cx="6855275" cy="0"/>
+              <a:off x="2080073" y="4395200"/>
+              <a:ext cx="6857019" cy="0"/>
             </a:xfrm>
             <a:custGeom>
               <a:avLst/>
               <a:pathLst>
-                <a:path w="6855275" h="0">
+                <a:path w="6857019" h="0">
                   <a:moveTo>
                     <a:pt x="0" y="0"/>
                   </a:moveTo>
                   <a:lnTo>
-                    <a:pt x="6855275" y="0"/>
-                  </a:lnTo>
-                  <a:lnTo>
-                    <a:pt x="6855275" y="0"/>
+                    <a:pt x="6857019" y="0"/>
+                  </a:lnTo>
+                  <a:lnTo>
+                    <a:pt x="6857019" y="0"/>
                   </a:lnTo>
                 </a:path>
               </a:pathLst>
@@ -3691,21 +3691,21 @@
           </p:nvSpPr>
           <p:spPr>
             <a:xfrm>
-              <a:off x="2081816" y="4203407"/>
-              <a:ext cx="6855275" cy="0"/>
+              <a:off x="2080073" y="4205136"/>
+              <a:ext cx="6857019" cy="0"/>
             </a:xfrm>
             <a:custGeom>
               <a:avLst/>
               <a:pathLst>
-                <a:path w="6855275" h="0">
+                <a:path w="6857019" h="0">
                   <a:moveTo>
                     <a:pt x="0" y="0"/>
                   </a:moveTo>
                   <a:lnTo>
-                    <a:pt x="6855275" y="0"/>
-                  </a:lnTo>
-                  <a:lnTo>
-                    <a:pt x="6855275" y="0"/>
+                    <a:pt x="6857019" y="0"/>
+                  </a:lnTo>
+                  <a:lnTo>
+                    <a:pt x="6857019" y="0"/>
                   </a:lnTo>
                 </a:path>
               </a:pathLst>
@@ -3734,21 +3734,21 @@
           </p:nvSpPr>
           <p:spPr>
             <a:xfrm>
-              <a:off x="2081816" y="4013602"/>
-              <a:ext cx="6855275" cy="0"/>
+              <a:off x="2080073" y="4015072"/>
+              <a:ext cx="6857019" cy="0"/>
             </a:xfrm>
             <a:custGeom>
               <a:avLst/>
               <a:pathLst>
-                <a:path w="6855275" h="0">
+                <a:path w="6857019" h="0">
                   <a:moveTo>
                     <a:pt x="0" y="0"/>
                   </a:moveTo>
                   <a:lnTo>
-                    <a:pt x="6855275" y="0"/>
-                  </a:lnTo>
-                  <a:lnTo>
-                    <a:pt x="6855275" y="0"/>
+                    <a:pt x="6857019" y="0"/>
+                  </a:lnTo>
+                  <a:lnTo>
+                    <a:pt x="6857019" y="0"/>
                   </a:lnTo>
                 </a:path>
               </a:pathLst>
@@ -3777,21 +3777,21 @@
           </p:nvSpPr>
           <p:spPr>
             <a:xfrm>
-              <a:off x="2081816" y="3823797"/>
-              <a:ext cx="6855275" cy="0"/>
+              <a:off x="2080073" y="3825008"/>
+              <a:ext cx="6857019" cy="0"/>
             </a:xfrm>
             <a:custGeom>
               <a:avLst/>
               <a:pathLst>
-                <a:path w="6855275" h="0">
+                <a:path w="6857019" h="0">
                   <a:moveTo>
                     <a:pt x="0" y="0"/>
                   </a:moveTo>
                   <a:lnTo>
-                    <a:pt x="6855275" y="0"/>
-                  </a:lnTo>
-                  <a:lnTo>
-                    <a:pt x="6855275" y="0"/>
+                    <a:pt x="6857019" y="0"/>
+                  </a:lnTo>
+                  <a:lnTo>
+                    <a:pt x="6857019" y="0"/>
                   </a:lnTo>
                 </a:path>
               </a:pathLst>
@@ -3820,21 +3820,21 @@
           </p:nvSpPr>
           <p:spPr>
             <a:xfrm>
-              <a:off x="2081816" y="3633992"/>
-              <a:ext cx="6855275" cy="0"/>
+              <a:off x="2080073" y="3634944"/>
+              <a:ext cx="6857019" cy="0"/>
             </a:xfrm>
             <a:custGeom>
               <a:avLst/>
               <a:pathLst>
-                <a:path w="6855275" h="0">
+                <a:path w="6857019" h="0">
                   <a:moveTo>
                     <a:pt x="0" y="0"/>
                   </a:moveTo>
                   <a:lnTo>
-                    <a:pt x="6855275" y="0"/>
-                  </a:lnTo>
-                  <a:lnTo>
-                    <a:pt x="6855275" y="0"/>
+                    <a:pt x="6857019" y="0"/>
+                  </a:lnTo>
+                  <a:lnTo>
+                    <a:pt x="6857019" y="0"/>
                   </a:lnTo>
                 </a:path>
               </a:pathLst>
@@ -3863,21 +3863,21 @@
           </p:nvSpPr>
           <p:spPr>
             <a:xfrm>
-              <a:off x="2081816" y="3444186"/>
-              <a:ext cx="6855275" cy="0"/>
+              <a:off x="2080073" y="3444880"/>
+              <a:ext cx="6857019" cy="0"/>
             </a:xfrm>
             <a:custGeom>
               <a:avLst/>
               <a:pathLst>
-                <a:path w="6855275" h="0">
+                <a:path w="6857019" h="0">
                   <a:moveTo>
                     <a:pt x="0" y="0"/>
                   </a:moveTo>
                   <a:lnTo>
-                    <a:pt x="6855275" y="0"/>
-                  </a:lnTo>
-                  <a:lnTo>
-                    <a:pt x="6855275" y="0"/>
+                    <a:pt x="6857019" y="0"/>
+                  </a:lnTo>
+                  <a:lnTo>
+                    <a:pt x="6857019" y="0"/>
                   </a:lnTo>
                 </a:path>
               </a:pathLst>
@@ -3906,21 +3906,21 @@
           </p:nvSpPr>
           <p:spPr>
             <a:xfrm>
-              <a:off x="2081816" y="3254381"/>
-              <a:ext cx="6855275" cy="0"/>
+              <a:off x="2080073" y="3254816"/>
+              <a:ext cx="6857019" cy="0"/>
             </a:xfrm>
             <a:custGeom>
               <a:avLst/>
               <a:pathLst>
-                <a:path w="6855275" h="0">
+                <a:path w="6857019" h="0">
                   <a:moveTo>
                     <a:pt x="0" y="0"/>
                   </a:moveTo>
                   <a:lnTo>
-                    <a:pt x="6855275" y="0"/>
-                  </a:lnTo>
-                  <a:lnTo>
-                    <a:pt x="6855275" y="0"/>
+                    <a:pt x="6857019" y="0"/>
+                  </a:lnTo>
+                  <a:lnTo>
+                    <a:pt x="6857019" y="0"/>
                   </a:lnTo>
                 </a:path>
               </a:pathLst>
@@ -3949,21 +3949,21 @@
           </p:nvSpPr>
           <p:spPr>
             <a:xfrm>
-              <a:off x="2081816" y="3064576"/>
-              <a:ext cx="6855275" cy="0"/>
+              <a:off x="2080073" y="3064752"/>
+              <a:ext cx="6857019" cy="0"/>
             </a:xfrm>
             <a:custGeom>
               <a:avLst/>
               <a:pathLst>
-                <a:path w="6855275" h="0">
+                <a:path w="6857019" h="0">
                   <a:moveTo>
                     <a:pt x="0" y="0"/>
                   </a:moveTo>
                   <a:lnTo>
-                    <a:pt x="6855275" y="0"/>
-                  </a:lnTo>
-                  <a:lnTo>
-                    <a:pt x="6855275" y="0"/>
+                    <a:pt x="6857019" y="0"/>
+                  </a:lnTo>
+                  <a:lnTo>
+                    <a:pt x="6857019" y="0"/>
                   </a:lnTo>
                 </a:path>
               </a:pathLst>
@@ -3992,21 +3992,21 @@
           </p:nvSpPr>
           <p:spPr>
             <a:xfrm>
-              <a:off x="2081816" y="2874771"/>
-              <a:ext cx="6855275" cy="0"/>
+              <a:off x="2080073" y="2874688"/>
+              <a:ext cx="6857019" cy="0"/>
             </a:xfrm>
             <a:custGeom>
               <a:avLst/>
               <a:pathLst>
-                <a:path w="6855275" h="0">
+                <a:path w="6857019" h="0">
                   <a:moveTo>
                     <a:pt x="0" y="0"/>
                   </a:moveTo>
                   <a:lnTo>
-                    <a:pt x="6855275" y="0"/>
-                  </a:lnTo>
-                  <a:lnTo>
-                    <a:pt x="6855275" y="0"/>
+                    <a:pt x="6857019" y="0"/>
+                  </a:lnTo>
+                  <a:lnTo>
+                    <a:pt x="6857019" y="0"/>
                   </a:lnTo>
                 </a:path>
               </a:pathLst>
@@ -4035,21 +4035,21 @@
           </p:nvSpPr>
           <p:spPr>
             <a:xfrm>
-              <a:off x="2081816" y="2684966"/>
-              <a:ext cx="6855275" cy="0"/>
+              <a:off x="2080073" y="2684623"/>
+              <a:ext cx="6857019" cy="0"/>
             </a:xfrm>
             <a:custGeom>
               <a:avLst/>
               <a:pathLst>
-                <a:path w="6855275" h="0">
+                <a:path w="6857019" h="0">
                   <a:moveTo>
                     <a:pt x="0" y="0"/>
                   </a:moveTo>
                   <a:lnTo>
-                    <a:pt x="6855275" y="0"/>
-                  </a:lnTo>
-                  <a:lnTo>
-                    <a:pt x="6855275" y="0"/>
+                    <a:pt x="6857019" y="0"/>
+                  </a:lnTo>
+                  <a:lnTo>
+                    <a:pt x="6857019" y="0"/>
                   </a:lnTo>
                 </a:path>
               </a:pathLst>
@@ -4078,21 +4078,21 @@
           </p:nvSpPr>
           <p:spPr>
             <a:xfrm>
-              <a:off x="2081816" y="2495161"/>
-              <a:ext cx="6855275" cy="0"/>
+              <a:off x="2080073" y="2494559"/>
+              <a:ext cx="6857019" cy="0"/>
             </a:xfrm>
             <a:custGeom>
               <a:avLst/>
               <a:pathLst>
-                <a:path w="6855275" h="0">
+                <a:path w="6857019" h="0">
                   <a:moveTo>
                     <a:pt x="0" y="0"/>
                   </a:moveTo>
                   <a:lnTo>
-                    <a:pt x="6855275" y="0"/>
-                  </a:lnTo>
-                  <a:lnTo>
-                    <a:pt x="6855275" y="0"/>
+                    <a:pt x="6857019" y="0"/>
+                  </a:lnTo>
+                  <a:lnTo>
+                    <a:pt x="6857019" y="0"/>
                   </a:lnTo>
                 </a:path>
               </a:pathLst>
@@ -4121,21 +4121,21 @@
           </p:nvSpPr>
           <p:spPr>
             <a:xfrm>
-              <a:off x="2081816" y="2305356"/>
-              <a:ext cx="6855275" cy="0"/>
+              <a:off x="2080073" y="2304495"/>
+              <a:ext cx="6857019" cy="0"/>
             </a:xfrm>
             <a:custGeom>
               <a:avLst/>
               <a:pathLst>
-                <a:path w="6855275" h="0">
+                <a:path w="6857019" h="0">
                   <a:moveTo>
                     <a:pt x="0" y="0"/>
                   </a:moveTo>
                   <a:lnTo>
-                    <a:pt x="6855275" y="0"/>
-                  </a:lnTo>
-                  <a:lnTo>
-                    <a:pt x="6855275" y="0"/>
+                    <a:pt x="6857019" y="0"/>
+                  </a:lnTo>
+                  <a:lnTo>
+                    <a:pt x="6857019" y="0"/>
                   </a:lnTo>
                 </a:path>
               </a:pathLst>
@@ -4164,21 +4164,21 @@
           </p:nvSpPr>
           <p:spPr>
             <a:xfrm>
-              <a:off x="2081816" y="2115550"/>
-              <a:ext cx="6855275" cy="0"/>
+              <a:off x="2080073" y="2114431"/>
+              <a:ext cx="6857019" cy="0"/>
             </a:xfrm>
             <a:custGeom>
               <a:avLst/>
               <a:pathLst>
-                <a:path w="6855275" h="0">
+                <a:path w="6857019" h="0">
                   <a:moveTo>
                     <a:pt x="0" y="0"/>
                   </a:moveTo>
                   <a:lnTo>
-                    <a:pt x="6855275" y="0"/>
-                  </a:lnTo>
-                  <a:lnTo>
-                    <a:pt x="6855275" y="0"/>
+                    <a:pt x="6857019" y="0"/>
+                  </a:lnTo>
+                  <a:lnTo>
+                    <a:pt x="6857019" y="0"/>
                   </a:lnTo>
                 </a:path>
               </a:pathLst>
@@ -4207,21 +4207,21 @@
           </p:nvSpPr>
           <p:spPr>
             <a:xfrm>
-              <a:off x="2081816" y="1925745"/>
-              <a:ext cx="6855275" cy="0"/>
+              <a:off x="2080073" y="1924367"/>
+              <a:ext cx="6857019" cy="0"/>
             </a:xfrm>
             <a:custGeom>
               <a:avLst/>
               <a:pathLst>
-                <a:path w="6855275" h="0">
+                <a:path w="6857019" h="0">
                   <a:moveTo>
                     <a:pt x="0" y="0"/>
                   </a:moveTo>
                   <a:lnTo>
-                    <a:pt x="6855275" y="0"/>
-                  </a:lnTo>
-                  <a:lnTo>
-                    <a:pt x="6855275" y="0"/>
+                    <a:pt x="6857019" y="0"/>
+                  </a:lnTo>
+                  <a:lnTo>
+                    <a:pt x="6857019" y="0"/>
                   </a:lnTo>
                 </a:path>
               </a:pathLst>
@@ -4250,15 +4250,15 @@
           </p:nvSpPr>
           <p:spPr>
             <a:xfrm>
-              <a:off x="2081816" y="1811862"/>
-              <a:ext cx="0" cy="3834063"/>
+              <a:off x="2080073" y="1810329"/>
+              <a:ext cx="0" cy="3839294"/>
             </a:xfrm>
             <a:custGeom>
               <a:avLst/>
               <a:pathLst>
-                <a:path w="0" h="3834063">
+                <a:path w="0" h="3839294">
                   <a:moveTo>
-                    <a:pt x="0" y="3834063"/>
+                    <a:pt x="0" y="3839294"/>
                   </a:moveTo>
                   <a:lnTo>
                     <a:pt x="0" y="0"/>
@@ -4293,15 +4293,15 @@
           </p:nvSpPr>
           <p:spPr>
             <a:xfrm>
-              <a:off x="3957056" y="1811862"/>
-              <a:ext cx="0" cy="3834063"/>
+              <a:off x="3955789" y="1810329"/>
+              <a:ext cx="0" cy="3839294"/>
             </a:xfrm>
             <a:custGeom>
               <a:avLst/>
               <a:pathLst>
-                <a:path w="0" h="3834063">
+                <a:path w="0" h="3839294">
                   <a:moveTo>
-                    <a:pt x="0" y="3834063"/>
+                    <a:pt x="0" y="3839294"/>
                   </a:moveTo>
                   <a:lnTo>
                     <a:pt x="0" y="0"/>
@@ -4336,15 +4336,15 @@
           </p:nvSpPr>
           <p:spPr>
             <a:xfrm>
-              <a:off x="5832295" y="1811862"/>
-              <a:ext cx="0" cy="3834063"/>
+              <a:off x="5831506" y="1810329"/>
+              <a:ext cx="0" cy="3839294"/>
             </a:xfrm>
             <a:custGeom>
               <a:avLst/>
               <a:pathLst>
-                <a:path w="0" h="3834063">
+                <a:path w="0" h="3839294">
                   <a:moveTo>
-                    <a:pt x="0" y="3834063"/>
+                    <a:pt x="0" y="3839294"/>
                   </a:moveTo>
                   <a:lnTo>
                     <a:pt x="0" y="0"/>
@@ -4379,15 +4379,15 @@
           </p:nvSpPr>
           <p:spPr>
             <a:xfrm>
-              <a:off x="7707535" y="1811862"/>
-              <a:ext cx="0" cy="3834063"/>
+              <a:off x="7707222" y="1810329"/>
+              <a:ext cx="0" cy="3839294"/>
             </a:xfrm>
             <a:custGeom>
               <a:avLst/>
               <a:pathLst>
-                <a:path w="0" h="3834063">
+                <a:path w="0" h="3839294">
                   <a:moveTo>
-                    <a:pt x="0" y="3834063"/>
+                    <a:pt x="0" y="3839294"/>
                   </a:moveTo>
                   <a:lnTo>
                     <a:pt x="0" y="0"/>
@@ -4422,8 +4422,8 @@
           </p:nvSpPr>
           <p:spPr>
             <a:xfrm>
-              <a:off x="2081816" y="1840333"/>
-              <a:ext cx="6720858" cy="170824"/>
+              <a:off x="2080073" y="1838838"/>
+              <a:ext cx="6722567" cy="171057"/>
             </a:xfrm>
             <a:prstGeom prst="rect">
               <a:avLst/>
@@ -4448,8 +4448,8 @@
           </p:nvSpPr>
           <p:spPr>
             <a:xfrm>
-              <a:off x="2081816" y="2030138"/>
-              <a:ext cx="3052889" cy="170824"/>
+              <a:off x="2080073" y="2028902"/>
+              <a:ext cx="3053666" cy="171057"/>
             </a:xfrm>
             <a:prstGeom prst="rect">
               <a:avLst/>
@@ -4474,8 +4474,8 @@
           </p:nvSpPr>
           <p:spPr>
             <a:xfrm>
-              <a:off x="2081816" y="2219943"/>
-              <a:ext cx="2850364" cy="170824"/>
+              <a:off x="2080073" y="2218966"/>
+              <a:ext cx="2851089" cy="171057"/>
             </a:xfrm>
             <a:prstGeom prst="rect">
               <a:avLst/>
@@ -4500,8 +4500,8 @@
           </p:nvSpPr>
           <p:spPr>
             <a:xfrm>
-              <a:off x="2081816" y="2409748"/>
-              <a:ext cx="2520321" cy="170824"/>
+              <a:off x="2080073" y="2409031"/>
+              <a:ext cx="2520962" cy="171057"/>
             </a:xfrm>
             <a:prstGeom prst="rect">
               <a:avLst/>
@@ -4526,8 +4526,8 @@
           </p:nvSpPr>
           <p:spPr>
             <a:xfrm>
-              <a:off x="2081816" y="2599553"/>
-              <a:ext cx="2032759" cy="170824"/>
+              <a:off x="2080073" y="2599095"/>
+              <a:ext cx="2033276" cy="171057"/>
             </a:xfrm>
             <a:prstGeom prst="rect">
               <a:avLst/>
@@ -4552,8 +4552,8 @@
           </p:nvSpPr>
           <p:spPr>
             <a:xfrm>
-              <a:off x="2081816" y="2789359"/>
-              <a:ext cx="1965251" cy="170824"/>
+              <a:off x="2080073" y="2789159"/>
+              <a:ext cx="1965750" cy="171057"/>
             </a:xfrm>
             <a:prstGeom prst="rect">
               <a:avLst/>
@@ -4578,8 +4578,8 @@
           </p:nvSpPr>
           <p:spPr>
             <a:xfrm>
-              <a:off x="2081816" y="2979164"/>
-              <a:ext cx="1875239" cy="170824"/>
+              <a:off x="2080073" y="2979223"/>
+              <a:ext cx="1875716" cy="171057"/>
             </a:xfrm>
             <a:prstGeom prst="rect">
               <a:avLst/>
@@ -4604,8 +4604,8 @@
           </p:nvSpPr>
           <p:spPr>
             <a:xfrm>
-              <a:off x="2081816" y="3168969"/>
-              <a:ext cx="1792729" cy="170824"/>
+              <a:off x="2080073" y="3169287"/>
+              <a:ext cx="1793184" cy="171057"/>
             </a:xfrm>
             <a:prstGeom prst="rect">
               <a:avLst/>
@@ -4630,8 +4630,8 @@
           </p:nvSpPr>
           <p:spPr>
             <a:xfrm>
-              <a:off x="2081816" y="3358774"/>
-              <a:ext cx="1740222" cy="170824"/>
+              <a:off x="2080073" y="3359351"/>
+              <a:ext cx="1740664" cy="171057"/>
             </a:xfrm>
             <a:prstGeom prst="rect">
               <a:avLst/>
@@ -4656,8 +4656,8 @@
           </p:nvSpPr>
           <p:spPr>
             <a:xfrm>
-              <a:off x="2081816" y="3548579"/>
-              <a:ext cx="1695216" cy="170824"/>
+              <a:off x="2080073" y="3549415"/>
+              <a:ext cx="1695647" cy="171057"/>
             </a:xfrm>
             <a:prstGeom prst="rect">
               <a:avLst/>
@@ -4682,8 +4682,8 @@
           </p:nvSpPr>
           <p:spPr>
             <a:xfrm>
-              <a:off x="2081816" y="3738384"/>
-              <a:ext cx="1642709" cy="170824"/>
+              <a:off x="2080073" y="3739479"/>
+              <a:ext cx="1643127" cy="171057"/>
             </a:xfrm>
             <a:prstGeom prst="rect">
               <a:avLst/>
@@ -4708,8 +4708,8 @@
           </p:nvSpPr>
           <p:spPr>
             <a:xfrm>
-              <a:off x="2081816" y="3928190"/>
-              <a:ext cx="1590203" cy="170824"/>
+              <a:off x="2080073" y="3929543"/>
+              <a:ext cx="1590607" cy="171057"/>
             </a:xfrm>
             <a:prstGeom prst="rect">
               <a:avLst/>
@@ -4734,8 +4734,8 @@
           </p:nvSpPr>
           <p:spPr>
             <a:xfrm>
-              <a:off x="2081816" y="4117995"/>
-              <a:ext cx="1327669" cy="170824"/>
+              <a:off x="2080073" y="4119607"/>
+              <a:ext cx="1328007" cy="171057"/>
             </a:xfrm>
             <a:prstGeom prst="rect">
               <a:avLst/>
@@ -4760,8 +4760,8 @@
           </p:nvSpPr>
           <p:spPr>
             <a:xfrm>
-              <a:off x="2081816" y="4307800"/>
-              <a:ext cx="990126" cy="170824"/>
+              <a:off x="2080073" y="4309671"/>
+              <a:ext cx="990378" cy="171057"/>
             </a:xfrm>
             <a:prstGeom prst="rect">
               <a:avLst/>
@@ -4786,8 +4786,8 @@
           </p:nvSpPr>
           <p:spPr>
             <a:xfrm>
-              <a:off x="2081816" y="4497605"/>
-              <a:ext cx="937619" cy="170824"/>
+              <a:off x="2080073" y="4499735"/>
+              <a:ext cx="937858" cy="171057"/>
             </a:xfrm>
             <a:prstGeom prst="rect">
               <a:avLst/>
@@ -4812,8 +4812,8 @@
           </p:nvSpPr>
           <p:spPr>
             <a:xfrm>
-              <a:off x="2081816" y="4687410"/>
-              <a:ext cx="930118" cy="170824"/>
+              <a:off x="2080073" y="4689800"/>
+              <a:ext cx="930355" cy="171057"/>
             </a:xfrm>
             <a:prstGeom prst="rect">
               <a:avLst/>
@@ -4838,8 +4838,8 @@
           </p:nvSpPr>
           <p:spPr>
             <a:xfrm>
-              <a:off x="2081816" y="4877215"/>
-              <a:ext cx="907615" cy="170824"/>
+              <a:off x="2080073" y="4879864"/>
+              <a:ext cx="907846" cy="171057"/>
             </a:xfrm>
             <a:prstGeom prst="rect">
               <a:avLst/>
@@ -4864,8 +4864,8 @@
           </p:nvSpPr>
           <p:spPr>
             <a:xfrm>
-              <a:off x="2081816" y="5067020"/>
-              <a:ext cx="750095" cy="170824"/>
+              <a:off x="2080073" y="5069928"/>
+              <a:ext cx="750286" cy="171057"/>
             </a:xfrm>
             <a:prstGeom prst="rect">
               <a:avLst/>
@@ -4890,8 +4890,8 @@
           </p:nvSpPr>
           <p:spPr>
             <a:xfrm>
-              <a:off x="2081816" y="5256826"/>
-              <a:ext cx="675086" cy="170824"/>
+              <a:off x="2080073" y="5259992"/>
+              <a:ext cx="675257" cy="171057"/>
             </a:xfrm>
             <a:prstGeom prst="rect">
               <a:avLst/>
@@ -4916,8 +4916,8 @@
           </p:nvSpPr>
           <p:spPr>
             <a:xfrm>
-              <a:off x="2081816" y="5446631"/>
-              <a:ext cx="4170532" cy="170824"/>
+              <a:off x="2080073" y="5450056"/>
+              <a:ext cx="4171593" cy="171057"/>
             </a:xfrm>
             <a:prstGeom prst="rect">
               <a:avLst/>
@@ -4942,7 +4942,7 @@
           </p:nvSpPr>
           <p:spPr>
             <a:xfrm>
-              <a:off x="8438532" y="1860041"/>
+              <a:off x="8438459" y="1858663"/>
               <a:ext cx="96548" cy="98242"/>
             </a:xfrm>
             <a:custGeom>
@@ -5147,7 +5147,7 @@
           </p:nvSpPr>
           <p:spPr>
             <a:xfrm>
-              <a:off x="8551171" y="1860464"/>
+              <a:off x="8551099" y="1859086"/>
               <a:ext cx="91890" cy="96971"/>
             </a:xfrm>
             <a:custGeom>
@@ -5478,7 +5478,7 @@
           </p:nvSpPr>
           <p:spPr>
             <a:xfrm>
-              <a:off x="8615960" y="1922289"/>
+              <a:off x="8615887" y="1920911"/>
               <a:ext cx="30488" cy="31335"/>
             </a:xfrm>
             <a:custGeom>
@@ -5575,7 +5575,7 @@
           </p:nvSpPr>
           <p:spPr>
             <a:xfrm>
-              <a:off x="8550324" y="1922712"/>
+              <a:off x="8550252" y="1921334"/>
               <a:ext cx="31759" cy="30912"/>
             </a:xfrm>
             <a:custGeom>
@@ -5672,7 +5672,7 @@
           </p:nvSpPr>
           <p:spPr>
             <a:xfrm>
-              <a:off x="5889900" y="5467185"/>
+              <a:off x="5889178" y="5470727"/>
               <a:ext cx="96971" cy="73258"/>
             </a:xfrm>
             <a:custGeom>
@@ -5763,7 +5763,7 @@
           </p:nvSpPr>
           <p:spPr>
             <a:xfrm>
-              <a:off x="5918695" y="5487511"/>
+              <a:off x="5917973" y="5491053"/>
               <a:ext cx="41498" cy="10162"/>
             </a:xfrm>
             <a:custGeom>
@@ -5806,7 +5806,7 @@
           </p:nvSpPr>
           <p:spPr>
             <a:xfrm>
-              <a:off x="5918695" y="5504873"/>
+              <a:off x="5917973" y="5508415"/>
               <a:ext cx="41498" cy="11009"/>
             </a:xfrm>
             <a:custGeom>
@@ -5849,7 +5849,7 @@
           </p:nvSpPr>
           <p:spPr>
             <a:xfrm>
-              <a:off x="5918695" y="5523082"/>
+              <a:off x="5917973" y="5526623"/>
               <a:ext cx="41498" cy="9739"/>
             </a:xfrm>
             <a:custGeom>
@@ -5892,7 +5892,7 @@
           </p:nvSpPr>
           <p:spPr>
             <a:xfrm>
-              <a:off x="5891593" y="5543408"/>
+              <a:off x="5890872" y="5546949"/>
               <a:ext cx="37264" cy="21172"/>
             </a:xfrm>
             <a:custGeom>
@@ -5989,7 +5989,7 @@
           </p:nvSpPr>
           <p:spPr>
             <a:xfrm>
-              <a:off x="5947913" y="5543408"/>
+              <a:off x="5947192" y="5546949"/>
               <a:ext cx="37687" cy="21172"/>
             </a:xfrm>
             <a:custGeom>
@@ -6086,7 +6086,7 @@
           </p:nvSpPr>
           <p:spPr>
             <a:xfrm>
-              <a:off x="6000845" y="5465915"/>
+              <a:off x="6000124" y="5469457"/>
               <a:ext cx="92313" cy="33876"/>
             </a:xfrm>
             <a:custGeom>
@@ -6207,7 +6207,7 @@
           </p:nvSpPr>
           <p:spPr>
             <a:xfrm>
-              <a:off x="6018631" y="5497674"/>
+              <a:off x="6017909" y="5501216"/>
               <a:ext cx="71987" cy="63095"/>
             </a:xfrm>
             <a:custGeom>
@@ -6616,7 +6616,7 @@
           </p:nvSpPr>
           <p:spPr>
             <a:xfrm>
-              <a:off x="5295167" y="2066032"/>
+              <a:off x="5294238" y="2064913"/>
               <a:ext cx="20749" cy="16938"/>
             </a:xfrm>
             <a:custGeom>
@@ -6713,7 +6713,7 @@
           </p:nvSpPr>
           <p:spPr>
             <a:xfrm>
-              <a:off x="5290932" y="2092287"/>
+              <a:off x="5290003" y="2091168"/>
               <a:ext cx="21596" cy="17785"/>
             </a:xfrm>
             <a:custGeom>
@@ -6810,7 +6810,7 @@
           </p:nvSpPr>
           <p:spPr>
             <a:xfrm>
-              <a:off x="5291779" y="2118118"/>
+              <a:off x="5290850" y="2116998"/>
               <a:ext cx="27101" cy="44039"/>
             </a:xfrm>
             <a:custGeom>
@@ -6907,7 +6907,7 @@
           </p:nvSpPr>
           <p:spPr>
             <a:xfrm>
-              <a:off x="5321844" y="2071114"/>
+              <a:off x="5320916" y="2069995"/>
               <a:ext cx="66482" cy="91466"/>
             </a:xfrm>
             <a:custGeom>
@@ -7112,7 +7112,7 @@
           </p:nvSpPr>
           <p:spPr>
             <a:xfrm>
-              <a:off x="5326926" y="2095674"/>
+              <a:off x="5325997" y="2094555"/>
               <a:ext cx="32182" cy="43192"/>
             </a:xfrm>
             <a:custGeom>
@@ -7161,7 +7161,7 @@
           </p:nvSpPr>
           <p:spPr>
             <a:xfrm>
-              <a:off x="5334972" y="2102873"/>
+              <a:off x="5334043" y="2101754"/>
               <a:ext cx="16091" cy="22443"/>
             </a:xfrm>
             <a:custGeom>
@@ -7204,7 +7204,7 @@
           </p:nvSpPr>
           <p:spPr>
             <a:xfrm>
-              <a:off x="5399760" y="2065185"/>
+              <a:off x="5398832" y="2064066"/>
               <a:ext cx="97395" cy="97395"/>
             </a:xfrm>
             <a:custGeom>
@@ -7445,7 +7445,7 @@
           </p:nvSpPr>
           <p:spPr>
             <a:xfrm>
-              <a:off x="5417546" y="2102873"/>
+              <a:off x="5416617" y="2101754"/>
               <a:ext cx="60977" cy="55049"/>
             </a:xfrm>
             <a:custGeom>
@@ -7656,7 +7656,7 @@
           </p:nvSpPr>
           <p:spPr>
             <a:xfrm>
-              <a:off x="5091794" y="2256684"/>
+              <a:off x="5090814" y="2255824"/>
               <a:ext cx="92313" cy="91043"/>
             </a:xfrm>
             <a:custGeom>
@@ -7723,7 +7723,7 @@
           </p:nvSpPr>
           <p:spPr>
             <a:xfrm>
-              <a:off x="5201046" y="2255838"/>
+              <a:off x="5200066" y="2254977"/>
               <a:ext cx="22866" cy="19479"/>
             </a:xfrm>
             <a:custGeom>
@@ -7820,7 +7820,7 @@
           </p:nvSpPr>
           <p:spPr>
             <a:xfrm>
-              <a:off x="5196811" y="2282092"/>
+              <a:off x="5195831" y="2281232"/>
               <a:ext cx="21596" cy="17785"/>
             </a:xfrm>
             <a:custGeom>
@@ -7917,7 +7917,7 @@
           </p:nvSpPr>
           <p:spPr>
             <a:xfrm>
-              <a:off x="5196388" y="2308770"/>
+              <a:off x="5195408" y="2307909"/>
               <a:ext cx="23290" cy="43616"/>
             </a:xfrm>
             <a:custGeom>
@@ -8014,7 +8014,7 @@
           </p:nvSpPr>
           <p:spPr>
             <a:xfrm>
-              <a:off x="5221372" y="2254567"/>
+              <a:off x="5220392" y="2253707"/>
               <a:ext cx="69446" cy="33029"/>
             </a:xfrm>
             <a:custGeom>
@@ -8150,7 +8150,7 @@
           </p:nvSpPr>
           <p:spPr>
             <a:xfrm>
-              <a:off x="5223912" y="2280821"/>
+              <a:off x="5222932" y="2279961"/>
               <a:ext cx="71564" cy="71564"/>
             </a:xfrm>
             <a:custGeom>
@@ -8430,7 +8430,7 @@
           </p:nvSpPr>
           <p:spPr>
             <a:xfrm>
-              <a:off x="5242968" y="2288020"/>
+              <a:off x="5241988" y="2287160"/>
               <a:ext cx="35570" cy="17361"/>
             </a:xfrm>
             <a:custGeom>
@@ -8527,7 +8527,7 @@
           </p:nvSpPr>
           <p:spPr>
             <a:xfrm>
-              <a:off x="5252284" y="2290138"/>
+              <a:off x="5251304" y="2289277"/>
               <a:ext cx="14820" cy="13550"/>
             </a:xfrm>
             <a:custGeom>
@@ -8624,7 +8624,7 @@
           </p:nvSpPr>
           <p:spPr>
             <a:xfrm>
-              <a:off x="5239157" y="2313004"/>
+              <a:off x="5238177" y="2312144"/>
               <a:ext cx="38534" cy="17361"/>
             </a:xfrm>
             <a:custGeom>
@@ -8694,7 +8694,7 @@
           </p:nvSpPr>
           <p:spPr>
             <a:xfrm>
-              <a:off x="5251437" y="2314698"/>
+              <a:off x="5250457" y="2313838"/>
               <a:ext cx="15244" cy="13974"/>
             </a:xfrm>
             <a:custGeom>
@@ -8791,7 +8791,7 @@
           </p:nvSpPr>
           <p:spPr>
             <a:xfrm>
-              <a:off x="4759211" y="2445643"/>
+              <a:off x="4758147" y="2445041"/>
               <a:ext cx="38111" cy="95277"/>
             </a:xfrm>
             <a:custGeom>
@@ -8912,7 +8912,7 @@
           </p:nvSpPr>
           <p:spPr>
             <a:xfrm>
-              <a:off x="4813837" y="2445643"/>
+              <a:off x="4812773" y="2445041"/>
               <a:ext cx="42769" cy="93584"/>
             </a:xfrm>
             <a:custGeom>
@@ -9321,7 +9321,7 @@
           </p:nvSpPr>
           <p:spPr>
             <a:xfrm>
-              <a:off x="4867616" y="2444372"/>
+              <a:off x="4866552" y="2443771"/>
               <a:ext cx="96548" cy="19055"/>
             </a:xfrm>
             <a:custGeom>
@@ -9430,7 +9430,7 @@
           </p:nvSpPr>
           <p:spPr>
             <a:xfrm>
-              <a:off x="4880320" y="2471474"/>
+              <a:off x="4879256" y="2470872"/>
               <a:ext cx="69023" cy="70717"/>
             </a:xfrm>
             <a:custGeom>
@@ -9635,7 +9635,7 @@
           </p:nvSpPr>
           <p:spPr>
             <a:xfrm>
-              <a:off x="4888789" y="2479519"/>
+              <a:off x="4887725" y="2478918"/>
               <a:ext cx="52085" cy="16514"/>
             </a:xfrm>
             <a:custGeom>
@@ -9678,7 +9678,7 @@
           </p:nvSpPr>
           <p:spPr>
             <a:xfrm>
-              <a:off x="4867192" y="2507891"/>
+              <a:off x="4866128" y="2507290"/>
               <a:ext cx="33453" cy="30065"/>
             </a:xfrm>
             <a:custGeom>
@@ -9775,7 +9775,7 @@
           </p:nvSpPr>
           <p:spPr>
             <a:xfrm>
-              <a:off x="4929441" y="2507891"/>
+              <a:off x="4928377" y="2507290"/>
               <a:ext cx="32606" cy="30065"/>
             </a:xfrm>
             <a:custGeom>
@@ -9872,7 +9872,7 @@
           </p:nvSpPr>
           <p:spPr>
             <a:xfrm>
-              <a:off x="4293245" y="2634601"/>
+              <a:off x="4292057" y="2634259"/>
               <a:ext cx="35570" cy="84691"/>
             </a:xfrm>
             <a:custGeom>
@@ -9957,7 +9957,7 @@
           </p:nvSpPr>
           <p:spPr>
             <a:xfrm>
-              <a:off x="4303408" y="2685416"/>
+              <a:off x="4302220" y="2685073"/>
               <a:ext cx="13974" cy="19902"/>
             </a:xfrm>
             <a:custGeom>
@@ -10000,7 +10000,7 @@
           </p:nvSpPr>
           <p:spPr>
             <a:xfrm>
-              <a:off x="4321617" y="2637142"/>
+              <a:off x="4320428" y="2636799"/>
               <a:ext cx="43616" cy="94430"/>
             </a:xfrm>
             <a:custGeom>
@@ -10262,7 +10262,7 @@
           </p:nvSpPr>
           <p:spPr>
             <a:xfrm>
-              <a:off x="4340249" y="2645187"/>
+              <a:off x="4339061" y="2644845"/>
               <a:ext cx="16514" cy="16938"/>
             </a:xfrm>
             <a:custGeom>
@@ -10305,7 +10305,7 @@
           </p:nvSpPr>
           <p:spPr>
             <a:xfrm>
-              <a:off x="4340249" y="2669748"/>
+              <a:off x="4339061" y="2669406"/>
               <a:ext cx="16514" cy="17361"/>
             </a:xfrm>
             <a:custGeom>
@@ -10348,7 +10348,7 @@
           </p:nvSpPr>
           <p:spPr>
             <a:xfrm>
-              <a:off x="4272919" y="2636295"/>
+              <a:off x="4271731" y="2635952"/>
               <a:ext cx="19902" cy="18632"/>
             </a:xfrm>
             <a:custGeom>
@@ -10445,7 +10445,7 @@
           </p:nvSpPr>
           <p:spPr>
             <a:xfrm>
-              <a:off x="4270378" y="2661702"/>
+              <a:off x="4269190" y="2661360"/>
               <a:ext cx="20325" cy="18632"/>
             </a:xfrm>
             <a:custGeom>
@@ -10542,7 +10542,7 @@
           </p:nvSpPr>
           <p:spPr>
             <a:xfrm>
-              <a:off x="4270378" y="2690074"/>
+              <a:off x="4269190" y="2689731"/>
               <a:ext cx="20749" cy="42345"/>
             </a:xfrm>
             <a:custGeom>
@@ -10639,7 +10639,7 @@
           </p:nvSpPr>
           <p:spPr>
             <a:xfrm>
-              <a:off x="4380054" y="2635448"/>
+              <a:off x="4378866" y="2635105"/>
               <a:ext cx="38111" cy="95277"/>
             </a:xfrm>
             <a:custGeom>
@@ -10760,7 +10760,7 @@
           </p:nvSpPr>
           <p:spPr>
             <a:xfrm>
-              <a:off x="4434680" y="2635448"/>
+              <a:off x="4433491" y="2635105"/>
               <a:ext cx="42769" cy="93584"/>
             </a:xfrm>
             <a:custGeom>
@@ -11169,7 +11169,7 @@
           </p:nvSpPr>
           <p:spPr>
             <a:xfrm>
-              <a:off x="4205834" y="2827370"/>
+              <a:off x="4204629" y="2827287"/>
               <a:ext cx="93160" cy="71140"/>
             </a:xfrm>
             <a:custGeom>
@@ -11260,7 +11260,7 @@
           </p:nvSpPr>
           <p:spPr>
             <a:xfrm>
-              <a:off x="4222772" y="2834569"/>
+              <a:off x="4221567" y="2834486"/>
               <a:ext cx="25407" cy="24137"/>
             </a:xfrm>
             <a:custGeom>
@@ -11303,7 +11303,7 @@
           </p:nvSpPr>
           <p:spPr>
             <a:xfrm>
-              <a:off x="4228277" y="2838380"/>
+              <a:off x="4227072" y="2838297"/>
               <a:ext cx="13974" cy="16514"/>
             </a:xfrm>
             <a:custGeom>
@@ -11400,7 +11400,7 @@
           </p:nvSpPr>
           <p:spPr>
             <a:xfrm>
-              <a:off x="4256225" y="2834569"/>
+              <a:off x="4255020" y="2834486"/>
               <a:ext cx="25407" cy="24137"/>
             </a:xfrm>
             <a:custGeom>
@@ -11443,7 +11443,7 @@
           </p:nvSpPr>
           <p:spPr>
             <a:xfrm>
-              <a:off x="4261307" y="2837957"/>
+              <a:off x="4260101" y="2837873"/>
               <a:ext cx="14820" cy="17361"/>
             </a:xfrm>
             <a:custGeom>
@@ -11540,7 +11540,7 @@
           </p:nvSpPr>
           <p:spPr>
             <a:xfrm>
-              <a:off x="4203293" y="2899781"/>
+              <a:off x="4202088" y="2899698"/>
               <a:ext cx="20325" cy="22443"/>
             </a:xfrm>
             <a:custGeom>
@@ -11637,7 +11637,7 @@
           </p:nvSpPr>
           <p:spPr>
             <a:xfrm>
-              <a:off x="4280786" y="2899781"/>
+              <a:off x="4279580" y="2899698"/>
               <a:ext cx="19902" cy="22443"/>
             </a:xfrm>
             <a:custGeom>
@@ -11734,7 +11734,7 @@
           </p:nvSpPr>
           <p:spPr>
             <a:xfrm>
-              <a:off x="4232088" y="2900628"/>
+              <a:off x="4230883" y="2900545"/>
               <a:ext cx="15244" cy="20749"/>
             </a:xfrm>
             <a:custGeom>
@@ -11831,7 +11831,7 @@
           </p:nvSpPr>
           <p:spPr>
             <a:xfrm>
-              <a:off x="4257072" y="2900628"/>
+              <a:off x="4255867" y="2900545"/>
               <a:ext cx="16514" cy="20325"/>
             </a:xfrm>
             <a:custGeom>
@@ -11928,7 +11928,7 @@
           </p:nvSpPr>
           <p:spPr>
             <a:xfrm>
-              <a:off x="4311698" y="2824406"/>
+              <a:off x="4310493" y="2824323"/>
               <a:ext cx="94854" cy="97395"/>
             </a:xfrm>
             <a:custGeom>
@@ -12103,7 +12103,7 @@
           </p:nvSpPr>
           <p:spPr>
             <a:xfrm>
-              <a:off x="4371829" y="2825676"/>
+              <a:off x="4370624" y="2825593"/>
               <a:ext cx="19479" cy="17361"/>
             </a:xfrm>
             <a:custGeom>
@@ -12200,7 +12200,7 @@
           </p:nvSpPr>
           <p:spPr>
             <a:xfrm>
-              <a:off x="4337105" y="2859130"/>
+              <a:off x="4335900" y="2859046"/>
               <a:ext cx="70293" cy="60554"/>
             </a:xfrm>
             <a:custGeom>
@@ -12615,7 +12615,7 @@
           </p:nvSpPr>
           <p:spPr>
             <a:xfrm>
-              <a:off x="4424338" y="2825253"/>
+              <a:off x="4423132" y="2825170"/>
               <a:ext cx="20749" cy="16938"/>
             </a:xfrm>
             <a:custGeom>
@@ -12712,7 +12712,7 @@
           </p:nvSpPr>
           <p:spPr>
             <a:xfrm>
-              <a:off x="4420103" y="2851507"/>
+              <a:off x="4418898" y="2851424"/>
               <a:ext cx="21596" cy="17785"/>
             </a:xfrm>
             <a:custGeom>
@@ -12809,7 +12809,7 @@
           </p:nvSpPr>
           <p:spPr>
             <a:xfrm>
-              <a:off x="4420950" y="2877338"/>
+              <a:off x="4419745" y="2877255"/>
               <a:ext cx="27101" cy="44039"/>
             </a:xfrm>
             <a:custGeom>
@@ -12906,7 +12906,7 @@
           </p:nvSpPr>
           <p:spPr>
             <a:xfrm>
-              <a:off x="4451015" y="2830334"/>
+              <a:off x="4449810" y="2830251"/>
               <a:ext cx="67329" cy="88079"/>
             </a:xfrm>
             <a:custGeom>
@@ -12973,7 +12973,7 @@
           </p:nvSpPr>
           <p:spPr>
             <a:xfrm>
-              <a:off x="4117940" y="3017599"/>
+              <a:off x="4116711" y="3017774"/>
               <a:ext cx="88925" cy="94007"/>
             </a:xfrm>
             <a:custGeom>
@@ -13028,7 +13028,7 @@
           </p:nvSpPr>
           <p:spPr>
             <a:xfrm>
-              <a:off x="4126409" y="3025645"/>
+              <a:off x="4125181" y="3025820"/>
               <a:ext cx="71987" cy="71987"/>
             </a:xfrm>
             <a:custGeom>
@@ -13071,7 +13071,7 @@
           </p:nvSpPr>
           <p:spPr>
             <a:xfrm>
-              <a:off x="4128103" y="3021833"/>
+              <a:off x="4126874" y="3022009"/>
               <a:ext cx="25407" cy="66059"/>
             </a:xfrm>
             <a:custGeom>
@@ -13228,7 +13228,7 @@
           </p:nvSpPr>
           <p:spPr>
             <a:xfrm>
-              <a:off x="4168754" y="3021833"/>
+              <a:off x="4167526" y="3022009"/>
               <a:ext cx="24137" cy="59283"/>
             </a:xfrm>
             <a:custGeom>
@@ -13451,7 +13451,7 @@
           </p:nvSpPr>
           <p:spPr>
             <a:xfrm>
-              <a:off x="4301296" y="3016328"/>
+              <a:off x="4300068" y="3016504"/>
               <a:ext cx="8469" cy="94007"/>
             </a:xfrm>
             <a:custGeom>
@@ -13494,7 +13494,7 @@
           </p:nvSpPr>
           <p:spPr>
             <a:xfrm>
-              <a:off x="4222533" y="3018446"/>
+              <a:off x="4221305" y="3018621"/>
               <a:ext cx="21596" cy="92737"/>
             </a:xfrm>
             <a:custGeom>
@@ -13597,7 +13597,7 @@
           </p:nvSpPr>
           <p:spPr>
             <a:xfrm>
-              <a:off x="4267843" y="3020986"/>
+              <a:off x="4266615" y="3021162"/>
               <a:ext cx="8469" cy="78339"/>
             </a:xfrm>
             <a:custGeom>
@@ -13640,7 +13640,7 @@
           </p:nvSpPr>
           <p:spPr>
             <a:xfrm>
-              <a:off x="4031618" y="3205710"/>
+              <a:off x="4030369" y="3206145"/>
               <a:ext cx="96124" cy="92737"/>
             </a:xfrm>
             <a:custGeom>
@@ -13833,7 +13833,7 @@
           </p:nvSpPr>
           <p:spPr>
             <a:xfrm>
-              <a:off x="4048133" y="3242551"/>
+              <a:off x="4046884" y="3242985"/>
               <a:ext cx="27101" cy="6775"/>
             </a:xfrm>
             <a:custGeom>
@@ -13876,7 +13876,7 @@
           </p:nvSpPr>
           <p:spPr>
             <a:xfrm>
-              <a:off x="4083703" y="3242551"/>
+              <a:off x="4082454" y="3242985"/>
               <a:ext cx="27101" cy="6775"/>
             </a:xfrm>
             <a:custGeom>
@@ -13919,7 +13919,7 @@
           </p:nvSpPr>
           <p:spPr>
             <a:xfrm>
-              <a:off x="4048133" y="3256525"/>
+              <a:off x="4046884" y="3256960"/>
               <a:ext cx="27101" cy="6775"/>
             </a:xfrm>
             <a:custGeom>
@@ -13962,7 +13962,7 @@
           </p:nvSpPr>
           <p:spPr>
             <a:xfrm>
-              <a:off x="4083703" y="3256525"/>
+              <a:off x="4082454" y="3256960"/>
               <a:ext cx="27101" cy="6775"/>
             </a:xfrm>
             <a:custGeom>
@@ -14005,7 +14005,7 @@
           </p:nvSpPr>
           <p:spPr>
             <a:xfrm>
-              <a:off x="4158232" y="3224766"/>
+              <a:off x="4156982" y="3225200"/>
               <a:ext cx="77069" cy="76222"/>
             </a:xfrm>
             <a:custGeom>
@@ -14189,7 +14189,7 @@
           </p:nvSpPr>
           <p:spPr>
             <a:xfrm>
-              <a:off x="4138329" y="3203593"/>
+              <a:off x="4137080" y="3204027"/>
               <a:ext cx="96124" cy="97818"/>
             </a:xfrm>
             <a:custGeom>
@@ -14394,7 +14394,7 @@
           </p:nvSpPr>
           <p:spPr>
             <a:xfrm>
-              <a:off x="4012141" y="3400597"/>
+              <a:off x="4010878" y="3401290"/>
               <a:ext cx="55896" cy="74104"/>
             </a:xfrm>
             <a:custGeom>
@@ -14656,7 +14656,7 @@
           </p:nvSpPr>
           <p:spPr>
             <a:xfrm>
-              <a:off x="3979958" y="3396362"/>
+              <a:off x="3978696" y="3397056"/>
               <a:ext cx="21172" cy="20325"/>
             </a:xfrm>
             <a:custGeom>
@@ -14753,7 +14753,7 @@
           </p:nvSpPr>
           <p:spPr>
             <a:xfrm>
-              <a:off x="3978264" y="3431509"/>
+              <a:off x="3977002" y="3432203"/>
               <a:ext cx="98242" cy="58860"/>
             </a:xfrm>
             <a:custGeom>
@@ -14779,7 +14779,7 @@
                     <a:pt x="24892" y="42747"/>
                   </a:lnTo>
                   <a:lnTo>
-                    <a:pt x="26101" y="43361"/>
+                    <a:pt x="26101" y="43362"/>
                   </a:lnTo>
                   <a:lnTo>
                     <a:pt x="27365" y="43933"/>
@@ -14964,7 +14964,7 @@
           </p:nvSpPr>
           <p:spPr>
             <a:xfrm>
-              <a:off x="4089634" y="3392975"/>
+              <a:off x="4088371" y="3393668"/>
               <a:ext cx="92313" cy="33876"/>
             </a:xfrm>
             <a:custGeom>
@@ -15085,7 +15085,7 @@
           </p:nvSpPr>
           <p:spPr>
             <a:xfrm>
-              <a:off x="4092174" y="3433626"/>
+              <a:off x="4090912" y="3434320"/>
               <a:ext cx="87655" cy="57590"/>
             </a:xfrm>
             <a:custGeom>
@@ -15290,7 +15290,7 @@
           </p:nvSpPr>
           <p:spPr>
             <a:xfrm>
-              <a:off x="3937493" y="3584474"/>
+              <a:off x="3936219" y="3585426"/>
               <a:ext cx="20749" cy="16938"/>
             </a:xfrm>
             <a:custGeom>
@@ -15387,7 +15387,7 @@
           </p:nvSpPr>
           <p:spPr>
             <a:xfrm>
-              <a:off x="3933259" y="3610728"/>
+              <a:off x="3931985" y="3611680"/>
               <a:ext cx="21596" cy="17785"/>
             </a:xfrm>
             <a:custGeom>
@@ -15484,7 +15484,7 @@
           </p:nvSpPr>
           <p:spPr>
             <a:xfrm>
-              <a:off x="3934105" y="3636559"/>
+              <a:off x="3932832" y="3637511"/>
               <a:ext cx="27101" cy="44039"/>
             </a:xfrm>
             <a:custGeom>
@@ -15581,7 +15581,7 @@
           </p:nvSpPr>
           <p:spPr>
             <a:xfrm>
-              <a:off x="3964171" y="3589555"/>
+              <a:off x="3962897" y="3590507"/>
               <a:ext cx="66482" cy="91466"/>
             </a:xfrm>
             <a:custGeom>
@@ -15786,7 +15786,7 @@
           </p:nvSpPr>
           <p:spPr>
             <a:xfrm>
-              <a:off x="3969252" y="3614116"/>
+              <a:off x="3967978" y="3615068"/>
               <a:ext cx="32182" cy="43192"/>
             </a:xfrm>
             <a:custGeom>
@@ -15835,7 +15835,7 @@
           </p:nvSpPr>
           <p:spPr>
             <a:xfrm>
-              <a:off x="3977298" y="3621314"/>
+              <a:off x="3976024" y="3622267"/>
               <a:ext cx="16091" cy="22443"/>
             </a:xfrm>
             <a:custGeom>
@@ -15878,7 +15878,7 @@
           </p:nvSpPr>
           <p:spPr>
             <a:xfrm>
-              <a:off x="4042510" y="3584474"/>
+              <a:off x="4041237" y="3585426"/>
               <a:ext cx="38111" cy="95277"/>
             </a:xfrm>
             <a:custGeom>
@@ -15999,7 +15999,7 @@
           </p:nvSpPr>
           <p:spPr>
             <a:xfrm>
-              <a:off x="4097136" y="3584474"/>
+              <a:off x="4095863" y="3585426"/>
               <a:ext cx="42769" cy="93584"/>
             </a:xfrm>
             <a:custGeom>
@@ -16408,7 +16408,7 @@
           </p:nvSpPr>
           <p:spPr>
             <a:xfrm>
-              <a:off x="3883716" y="3772585"/>
+              <a:off x="3882429" y="3773796"/>
               <a:ext cx="92313" cy="33876"/>
             </a:xfrm>
             <a:custGeom>
@@ -16529,7 +16529,7 @@
           </p:nvSpPr>
           <p:spPr>
             <a:xfrm>
-              <a:off x="3886257" y="3813237"/>
+              <a:off x="3884970" y="3814448"/>
               <a:ext cx="87655" cy="57590"/>
             </a:xfrm>
             <a:custGeom>
@@ -16734,7 +16734,7 @@
           </p:nvSpPr>
           <p:spPr>
             <a:xfrm>
-              <a:off x="3990427" y="3776396"/>
+              <a:off x="3989140" y="3777607"/>
               <a:ext cx="95701" cy="94430"/>
             </a:xfrm>
             <a:custGeom>
@@ -17143,7 +17143,7 @@
           </p:nvSpPr>
           <p:spPr>
             <a:xfrm>
-              <a:off x="4009059" y="3795875"/>
+              <a:off x="4007772" y="3797086"/>
               <a:ext cx="57166" cy="5928"/>
             </a:xfrm>
             <a:custGeom>
@@ -17186,7 +17186,7 @@
           </p:nvSpPr>
           <p:spPr>
             <a:xfrm>
-              <a:off x="4009059" y="3808155"/>
+              <a:off x="4007772" y="3809367"/>
               <a:ext cx="57166" cy="5504"/>
             </a:xfrm>
             <a:custGeom>
@@ -17229,7 +17229,7 @@
           </p:nvSpPr>
           <p:spPr>
             <a:xfrm>
-              <a:off x="4009059" y="3820012"/>
+              <a:off x="4007772" y="3821223"/>
               <a:ext cx="57166" cy="5928"/>
             </a:xfrm>
             <a:custGeom>
@@ -17272,7 +17272,7 @@
           </p:nvSpPr>
           <p:spPr>
             <a:xfrm>
-              <a:off x="4021340" y="3844573"/>
+              <a:off x="4020052" y="3845784"/>
               <a:ext cx="36840" cy="9739"/>
             </a:xfrm>
             <a:custGeom>
@@ -17366,7 +17366,7 @@
           </p:nvSpPr>
           <p:spPr>
             <a:xfrm>
-              <a:off x="3829092" y="3968318"/>
+              <a:off x="3827791" y="3969789"/>
               <a:ext cx="96971" cy="92737"/>
             </a:xfrm>
             <a:custGeom>
@@ -17646,7 +17646,7 @@
           </p:nvSpPr>
           <p:spPr>
             <a:xfrm>
-              <a:off x="3940885" y="3964084"/>
+              <a:off x="3939584" y="3965554"/>
               <a:ext cx="22866" cy="19479"/>
             </a:xfrm>
             <a:custGeom>
@@ -17743,7 +17743,7 @@
           </p:nvSpPr>
           <p:spPr>
             <a:xfrm>
-              <a:off x="3936650" y="3990338"/>
+              <a:off x="3935350" y="3991808"/>
               <a:ext cx="21596" cy="17785"/>
             </a:xfrm>
             <a:custGeom>
@@ -17840,7 +17840,7 @@
           </p:nvSpPr>
           <p:spPr>
             <a:xfrm>
-              <a:off x="3936227" y="4017016"/>
+              <a:off x="3934926" y="4018486"/>
               <a:ext cx="23290" cy="43616"/>
             </a:xfrm>
             <a:custGeom>
@@ -17937,7 +17937,7 @@
           </p:nvSpPr>
           <p:spPr>
             <a:xfrm>
-              <a:off x="3960787" y="3962813"/>
+              <a:off x="3959487" y="3964284"/>
               <a:ext cx="74951" cy="97818"/>
             </a:xfrm>
             <a:custGeom>
@@ -18088,7 +18088,7 @@
           </p:nvSpPr>
           <p:spPr>
             <a:xfrm>
-              <a:off x="4000592" y="3979328"/>
+              <a:off x="3999292" y="3980799"/>
               <a:ext cx="18208" cy="8469"/>
             </a:xfrm>
             <a:custGeom>
@@ -18131,7 +18131,7 @@
           </p:nvSpPr>
           <p:spPr>
             <a:xfrm>
-              <a:off x="4000592" y="3994996"/>
+              <a:off x="3999292" y="3996466"/>
               <a:ext cx="18208" cy="8892"/>
             </a:xfrm>
             <a:custGeom>
@@ -18174,7 +18174,7 @@
           </p:nvSpPr>
           <p:spPr>
             <a:xfrm>
-              <a:off x="3569099" y="4156853"/>
+              <a:off x="3567732" y="4158582"/>
               <a:ext cx="31759" cy="93584"/>
             </a:xfrm>
             <a:custGeom>
@@ -18472,7 +18472,7 @@
           </p:nvSpPr>
           <p:spPr>
             <a:xfrm>
-              <a:off x="3598318" y="4153042"/>
+              <a:off x="3596950" y="4154771"/>
               <a:ext cx="66482" cy="98665"/>
             </a:xfrm>
             <a:custGeom>
@@ -18740,7 +18740,7 @@
           </p:nvSpPr>
           <p:spPr>
             <a:xfrm>
-              <a:off x="3607210" y="4179296"/>
+              <a:off x="3605843" y="4181026"/>
               <a:ext cx="15244" cy="22866"/>
             </a:xfrm>
             <a:custGeom>
@@ -18837,7 +18837,7 @@
           </p:nvSpPr>
           <p:spPr>
             <a:xfrm>
-              <a:off x="3641510" y="4179296"/>
+              <a:off x="3640143" y="4181026"/>
               <a:ext cx="16938" cy="23290"/>
             </a:xfrm>
             <a:custGeom>
@@ -18934,7 +18934,7 @@
           </p:nvSpPr>
           <p:spPr>
             <a:xfrm>
-              <a:off x="3675387" y="4156430"/>
+              <a:off x="3674020" y="4158159"/>
               <a:ext cx="95701" cy="94007"/>
             </a:xfrm>
             <a:custGeom>
@@ -19013,7 +19013,7 @@
           </p:nvSpPr>
           <p:spPr>
             <a:xfrm>
-              <a:off x="3716039" y="4164475"/>
+              <a:off x="3714671" y="4166205"/>
               <a:ext cx="14820" cy="17785"/>
             </a:xfrm>
             <a:custGeom>
@@ -19056,7 +19056,7 @@
           </p:nvSpPr>
           <p:spPr>
             <a:xfrm>
-              <a:off x="3689785" y="4190306"/>
+              <a:off x="3688417" y="4192035"/>
               <a:ext cx="66906" cy="44039"/>
             </a:xfrm>
             <a:custGeom>
@@ -19264,7 +19264,7 @@
           </p:nvSpPr>
           <p:spPr>
             <a:xfrm>
-              <a:off x="3739329" y="4190306"/>
+              <a:off x="3737962" y="4192035"/>
               <a:ext cx="17361" cy="19479"/>
             </a:xfrm>
             <a:custGeom>
@@ -19394,7 +19394,7 @@
           </p:nvSpPr>
           <p:spPr>
             <a:xfrm>
-              <a:off x="3232403" y="4343694"/>
+              <a:off x="3230950" y="4345682"/>
               <a:ext cx="20749" cy="16938"/>
             </a:xfrm>
             <a:custGeom>
@@ -19491,7 +19491,7 @@
           </p:nvSpPr>
           <p:spPr>
             <a:xfrm>
-              <a:off x="3228168" y="4369948"/>
+              <a:off x="3226715" y="4371937"/>
               <a:ext cx="21596" cy="17785"/>
             </a:xfrm>
             <a:custGeom>
@@ -19588,7 +19588,7 @@
           </p:nvSpPr>
           <p:spPr>
             <a:xfrm>
-              <a:off x="3229015" y="4395779"/>
+              <a:off x="3227562" y="4397767"/>
               <a:ext cx="27101" cy="44039"/>
             </a:xfrm>
             <a:custGeom>
@@ -19685,7 +19685,7 @@
           </p:nvSpPr>
           <p:spPr>
             <a:xfrm>
-              <a:off x="3259081" y="4348776"/>
+              <a:off x="3257628" y="4350764"/>
               <a:ext cx="67329" cy="88079"/>
             </a:xfrm>
             <a:custGeom>
@@ -19752,7 +19752,7 @@
           </p:nvSpPr>
           <p:spPr>
             <a:xfrm>
-              <a:off x="3337844" y="4342847"/>
+              <a:off x="3336391" y="4344835"/>
               <a:ext cx="95277" cy="32182"/>
             </a:xfrm>
             <a:custGeom>
@@ -19843,7 +19843,7 @@
           </p:nvSpPr>
           <p:spPr>
             <a:xfrm>
-              <a:off x="3336997" y="4372913"/>
+              <a:off x="3335544" y="4374901"/>
               <a:ext cx="79609" cy="67329"/>
             </a:xfrm>
             <a:custGeom>
@@ -20228,7 +20228,7 @@
           </p:nvSpPr>
           <p:spPr>
             <a:xfrm>
-              <a:off x="3417454" y="4397050"/>
+              <a:off x="3416001" y="4399038"/>
               <a:ext cx="17361" cy="25830"/>
             </a:xfrm>
             <a:custGeom>
@@ -20325,7 +20325,7 @@
           </p:nvSpPr>
           <p:spPr>
             <a:xfrm>
-              <a:off x="3336997" y="4399167"/>
+              <a:off x="3335544" y="4401155"/>
               <a:ext cx="19902" cy="22866"/>
             </a:xfrm>
             <a:custGeom>
@@ -20422,7 +20422,7 @@
           </p:nvSpPr>
           <p:spPr>
             <a:xfrm>
-              <a:off x="3179896" y="4533499"/>
+              <a:off x="3178430" y="4535746"/>
               <a:ext cx="20749" cy="16938"/>
             </a:xfrm>
             <a:custGeom>
@@ -20519,7 +20519,7 @@
           </p:nvSpPr>
           <p:spPr>
             <a:xfrm>
-              <a:off x="3175662" y="4559754"/>
+              <a:off x="3174195" y="4562001"/>
               <a:ext cx="21596" cy="17785"/>
             </a:xfrm>
             <a:custGeom>
@@ -20616,7 +20616,7 @@
           </p:nvSpPr>
           <p:spPr>
             <a:xfrm>
-              <a:off x="3176509" y="4585584"/>
+              <a:off x="3175042" y="4587832"/>
               <a:ext cx="27101" cy="44039"/>
             </a:xfrm>
             <a:custGeom>
@@ -20713,7 +20713,7 @@
           </p:nvSpPr>
           <p:spPr>
             <a:xfrm>
-              <a:off x="3206574" y="4538581"/>
+              <a:off x="3205108" y="4540828"/>
               <a:ext cx="67329" cy="88079"/>
             </a:xfrm>
             <a:custGeom>
@@ -20780,7 +20780,7 @@
           </p:nvSpPr>
           <p:spPr>
             <a:xfrm>
-              <a:off x="3285337" y="4536040"/>
+              <a:off x="3283871" y="4538287"/>
               <a:ext cx="95701" cy="94007"/>
             </a:xfrm>
             <a:custGeom>
@@ -20859,7 +20859,7 @@
           </p:nvSpPr>
           <p:spPr>
             <a:xfrm>
-              <a:off x="3325989" y="4544086"/>
+              <a:off x="3324522" y="4546333"/>
               <a:ext cx="14820" cy="17785"/>
             </a:xfrm>
             <a:custGeom>
@@ -20902,7 +20902,7 @@
           </p:nvSpPr>
           <p:spPr>
             <a:xfrm>
-              <a:off x="3299735" y="4569917"/>
+              <a:off x="3298268" y="4572164"/>
               <a:ext cx="66906" cy="44039"/>
             </a:xfrm>
             <a:custGeom>
@@ -21110,7 +21110,7 @@
           </p:nvSpPr>
           <p:spPr>
             <a:xfrm>
-              <a:off x="3349279" y="4569917"/>
+              <a:off x="3347813" y="4572164"/>
               <a:ext cx="17361" cy="19479"/>
             </a:xfrm>
             <a:custGeom>
@@ -21240,7 +21240,7 @@
           </p:nvSpPr>
           <p:spPr>
             <a:xfrm>
-              <a:off x="3167314" y="4721611"/>
+              <a:off x="3165845" y="4724117"/>
               <a:ext cx="37687" cy="98242"/>
             </a:xfrm>
             <a:custGeom>
@@ -21514,7 +21514,7 @@
           </p:nvSpPr>
           <p:spPr>
             <a:xfrm>
-              <a:off x="3207119" y="4725845"/>
+              <a:off x="3205650" y="4728351"/>
               <a:ext cx="56319" cy="7622"/>
             </a:xfrm>
             <a:custGeom>
@@ -21557,7 +21557,7 @@
           </p:nvSpPr>
           <p:spPr>
             <a:xfrm>
-              <a:off x="3210930" y="4741090"/>
+              <a:off x="3209461" y="4743596"/>
               <a:ext cx="48697" cy="24137"/>
             </a:xfrm>
             <a:custGeom>
@@ -21600,7 +21600,7 @@
           </p:nvSpPr>
           <p:spPr>
             <a:xfrm>
-              <a:off x="3218976" y="4748288"/>
+              <a:off x="3217507" y="4750794"/>
               <a:ext cx="32606" cy="9739"/>
             </a:xfrm>
             <a:custGeom>
@@ -21643,7 +21643,7 @@
           </p:nvSpPr>
           <p:spPr>
             <a:xfrm>
-              <a:off x="3207542" y="4772849"/>
+              <a:off x="3206074" y="4775355"/>
               <a:ext cx="55896" cy="47003"/>
             </a:xfrm>
             <a:custGeom>
@@ -21698,7 +21698,7 @@
           </p:nvSpPr>
           <p:spPr>
             <a:xfrm>
-              <a:off x="3215588" y="4780471"/>
+              <a:off x="3214119" y="4782977"/>
               <a:ext cx="16091" cy="10162"/>
             </a:xfrm>
             <a:custGeom>
@@ -21741,7 +21741,7 @@
           </p:nvSpPr>
           <p:spPr>
             <a:xfrm>
-              <a:off x="3239302" y="4780471"/>
+              <a:off x="3237833" y="4782977"/>
               <a:ext cx="15667" cy="10162"/>
             </a:xfrm>
             <a:custGeom>
@@ -21784,7 +21784,7 @@
           </p:nvSpPr>
           <p:spPr>
             <a:xfrm>
-              <a:off x="3215588" y="4797409"/>
+              <a:off x="3214119" y="4799915"/>
               <a:ext cx="16091" cy="9739"/>
             </a:xfrm>
             <a:custGeom>
@@ -21827,7 +21827,7 @@
           </p:nvSpPr>
           <p:spPr>
             <a:xfrm>
-              <a:off x="3239302" y="4797409"/>
+              <a:off x="3237833" y="4799915"/>
               <a:ext cx="15667" cy="9739"/>
             </a:xfrm>
             <a:custGeom>
@@ -21870,7 +21870,7 @@
           </p:nvSpPr>
           <p:spPr>
             <a:xfrm>
-              <a:off x="3277836" y="4727962"/>
+              <a:off x="3276368" y="4730468"/>
               <a:ext cx="97818" cy="91890"/>
             </a:xfrm>
             <a:custGeom>
@@ -22210,7 +22210,7 @@
           </p:nvSpPr>
           <p:spPr>
             <a:xfrm>
-              <a:off x="3307902" y="4722457"/>
+              <a:off x="3306433" y="4724964"/>
               <a:ext cx="66059" cy="82997"/>
             </a:xfrm>
             <a:custGeom>
@@ -22361,7 +22361,7 @@
           </p:nvSpPr>
           <p:spPr>
             <a:xfrm>
-              <a:off x="3343895" y="4737278"/>
+              <a:off x="3342427" y="4739784"/>
               <a:ext cx="15244" cy="7198"/>
             </a:xfrm>
             <a:custGeom>
@@ -22404,7 +22404,7 @@
           </p:nvSpPr>
           <p:spPr>
             <a:xfrm>
-              <a:off x="3343895" y="4752099"/>
+              <a:off x="3342427" y="4754605"/>
               <a:ext cx="15244" cy="7198"/>
             </a:xfrm>
             <a:custGeom>
@@ -22447,7 +22447,7 @@
           </p:nvSpPr>
           <p:spPr>
             <a:xfrm>
-              <a:off x="3168101" y="4912263"/>
+              <a:off x="3166627" y="4915028"/>
               <a:ext cx="35570" cy="84691"/>
             </a:xfrm>
             <a:custGeom>
@@ -22532,7 +22532,7 @@
           </p:nvSpPr>
           <p:spPr>
             <a:xfrm>
-              <a:off x="3178264" y="4963077"/>
+              <a:off x="3176790" y="4965842"/>
               <a:ext cx="13974" cy="19902"/>
             </a:xfrm>
             <a:custGeom>
@@ -22575,7 +22575,7 @@
           </p:nvSpPr>
           <p:spPr>
             <a:xfrm>
-              <a:off x="3196473" y="4914803"/>
+              <a:off x="3194999" y="4917568"/>
               <a:ext cx="43616" cy="94430"/>
             </a:xfrm>
             <a:custGeom>
@@ -22837,7 +22837,7 @@
           </p:nvSpPr>
           <p:spPr>
             <a:xfrm>
-              <a:off x="3215105" y="4922849"/>
+              <a:off x="3213631" y="4925614"/>
               <a:ext cx="16514" cy="16938"/>
             </a:xfrm>
             <a:custGeom>
@@ -22880,7 +22880,7 @@
           </p:nvSpPr>
           <p:spPr>
             <a:xfrm>
-              <a:off x="3215105" y="4947410"/>
+              <a:off x="3213631" y="4950175"/>
               <a:ext cx="16514" cy="17361"/>
             </a:xfrm>
             <a:custGeom>
@@ -22923,7 +22923,7 @@
           </p:nvSpPr>
           <p:spPr>
             <a:xfrm>
-              <a:off x="3147775" y="4913956"/>
+              <a:off x="3146301" y="4916721"/>
               <a:ext cx="19902" cy="18632"/>
             </a:xfrm>
             <a:custGeom>
@@ -23020,7 +23020,7 @@
           </p:nvSpPr>
           <p:spPr>
             <a:xfrm>
-              <a:off x="3145234" y="4939364"/>
+              <a:off x="3143760" y="4942129"/>
               <a:ext cx="20325" cy="18632"/>
             </a:xfrm>
             <a:custGeom>
@@ -23117,7 +23117,7 @@
           </p:nvSpPr>
           <p:spPr>
             <a:xfrm>
-              <a:off x="3145234" y="4967735"/>
+              <a:off x="3143760" y="4970500"/>
               <a:ext cx="20749" cy="42345"/>
             </a:xfrm>
             <a:custGeom>
@@ -23214,7 +23214,7 @@
           </p:nvSpPr>
           <p:spPr>
             <a:xfrm>
-              <a:off x="3254486" y="4912263"/>
+              <a:off x="3253012" y="4915028"/>
               <a:ext cx="97395" cy="97395"/>
             </a:xfrm>
             <a:custGeom>
@@ -23455,7 +23455,7 @@
           </p:nvSpPr>
           <p:spPr>
             <a:xfrm>
-              <a:off x="3272272" y="4949950"/>
+              <a:off x="3270797" y="4952715"/>
               <a:ext cx="60977" cy="55049"/>
             </a:xfrm>
             <a:custGeom>
@@ -23666,7 +23666,7 @@
           </p:nvSpPr>
           <p:spPr>
             <a:xfrm>
-              <a:off x="2989832" y="5101221"/>
+              <a:off x="2988317" y="5104245"/>
               <a:ext cx="49967" cy="98242"/>
             </a:xfrm>
             <a:custGeom>
@@ -24039,7 +24039,7 @@
           </p:nvSpPr>
           <p:spPr>
             <a:xfrm>
-              <a:off x="3006770" y="5118583"/>
+              <a:off x="3005256" y="5121606"/>
               <a:ext cx="18632" cy="17361"/>
             </a:xfrm>
             <a:custGeom>
@@ -24136,7 +24136,7 @@
           </p:nvSpPr>
           <p:spPr>
             <a:xfrm>
-              <a:off x="2987714" y="5165586"/>
+              <a:off x="2986200" y="5168610"/>
               <a:ext cx="19055" cy="23290"/>
             </a:xfrm>
             <a:custGeom>
@@ -24233,7 +24233,7 @@
           </p:nvSpPr>
           <p:spPr>
             <a:xfrm>
-              <a:off x="3021591" y="5166010"/>
+              <a:off x="3020077" y="5169034"/>
               <a:ext cx="16091" cy="18208"/>
             </a:xfrm>
             <a:custGeom>
@@ -24330,7 +24330,7 @@
           </p:nvSpPr>
           <p:spPr>
             <a:xfrm>
-              <a:off x="3033871" y="5103762"/>
+              <a:off x="3032357" y="5106785"/>
               <a:ext cx="52085" cy="95277"/>
             </a:xfrm>
             <a:custGeom>
@@ -24574,7 +24574,7 @@
           </p:nvSpPr>
           <p:spPr>
             <a:xfrm>
-              <a:off x="3136348" y="5105032"/>
+              <a:off x="3134833" y="5108056"/>
               <a:ext cx="56319" cy="6351"/>
             </a:xfrm>
             <a:custGeom>
@@ -24617,7 +24617,7 @@
           </p:nvSpPr>
           <p:spPr>
             <a:xfrm>
-              <a:off x="3138889" y="5116042"/>
+              <a:off x="3137374" y="5119066"/>
               <a:ext cx="49967" cy="27101"/>
             </a:xfrm>
             <a:custGeom>
@@ -24660,7 +24660,7 @@
           </p:nvSpPr>
           <p:spPr>
             <a:xfrm>
-              <a:off x="3146511" y="5122394"/>
+              <a:off x="3144996" y="5125418"/>
               <a:ext cx="13550" cy="4234"/>
             </a:xfrm>
             <a:custGeom>
@@ -24703,7 +24703,7 @@
           </p:nvSpPr>
           <p:spPr>
             <a:xfrm>
-              <a:off x="3167684" y="5122394"/>
+              <a:off x="3166169" y="5125418"/>
               <a:ext cx="13550" cy="4234"/>
             </a:xfrm>
             <a:custGeom>
@@ -24746,7 +24746,7 @@
           </p:nvSpPr>
           <p:spPr>
             <a:xfrm>
-              <a:off x="3146511" y="5132557"/>
+              <a:off x="3144996" y="5135581"/>
               <a:ext cx="13550" cy="4658"/>
             </a:xfrm>
             <a:custGeom>
@@ -24789,7 +24789,7 @@
           </p:nvSpPr>
           <p:spPr>
             <a:xfrm>
-              <a:off x="3167684" y="5132557"/>
+              <a:off x="3166169" y="5135581"/>
               <a:ext cx="13550" cy="4658"/>
             </a:xfrm>
             <a:custGeom>
@@ -24832,7 +24832,7 @@
           </p:nvSpPr>
           <p:spPr>
             <a:xfrm>
-              <a:off x="3136348" y="5147801"/>
+              <a:off x="3134833" y="5150825"/>
               <a:ext cx="57166" cy="6351"/>
             </a:xfrm>
             <a:custGeom>
@@ -24875,7 +24875,7 @@
           </p:nvSpPr>
           <p:spPr>
             <a:xfrm>
-              <a:off x="3138889" y="5158811"/>
+              <a:off x="3137374" y="5161835"/>
               <a:ext cx="51238" cy="27524"/>
             </a:xfrm>
             <a:custGeom>
@@ -24918,7 +24918,7 @@
           </p:nvSpPr>
           <p:spPr>
             <a:xfrm>
-              <a:off x="3146511" y="5164739"/>
+              <a:off x="3144996" y="5167763"/>
               <a:ext cx="14397" cy="5081"/>
             </a:xfrm>
             <a:custGeom>
@@ -24961,7 +24961,7 @@
           </p:nvSpPr>
           <p:spPr>
             <a:xfrm>
-              <a:off x="3168107" y="5164739"/>
+              <a:off x="3166593" y="5167763"/>
               <a:ext cx="14397" cy="5081"/>
             </a:xfrm>
             <a:custGeom>
@@ -25004,7 +25004,7 @@
           </p:nvSpPr>
           <p:spPr>
             <a:xfrm>
-              <a:off x="3146511" y="5175326"/>
+              <a:off x="3144996" y="5178350"/>
               <a:ext cx="14397" cy="5081"/>
             </a:xfrm>
             <a:custGeom>
@@ -25047,7 +25047,7 @@
           </p:nvSpPr>
           <p:spPr>
             <a:xfrm>
-              <a:off x="3168107" y="5175326"/>
+              <a:off x="3166593" y="5178350"/>
               <a:ext cx="14397" cy="5081"/>
             </a:xfrm>
             <a:custGeom>
@@ -25090,7 +25090,7 @@
           </p:nvSpPr>
           <p:spPr>
             <a:xfrm>
-              <a:off x="3134654" y="5190994"/>
+              <a:off x="3133140" y="5194018"/>
               <a:ext cx="60130" cy="6351"/>
             </a:xfrm>
             <a:custGeom>
@@ -25133,7 +25133,7 @@
           </p:nvSpPr>
           <p:spPr>
             <a:xfrm>
-              <a:off x="3098660" y="5105032"/>
+              <a:off x="3097146" y="5108056"/>
               <a:ext cx="33029" cy="94430"/>
             </a:xfrm>
             <a:custGeom>
@@ -25380,7 +25380,7 @@
           </p:nvSpPr>
           <p:spPr>
             <a:xfrm>
-              <a:off x="3096966" y="5154153"/>
+              <a:off x="3095452" y="5157177"/>
               <a:ext cx="23290" cy="32606"/>
             </a:xfrm>
             <a:custGeom>
@@ -25513,7 +25513,7 @@
           </p:nvSpPr>
           <p:spPr>
             <a:xfrm>
-              <a:off x="2913552" y="5293143"/>
+              <a:off x="2912018" y="5296426"/>
               <a:ext cx="97395" cy="43616"/>
             </a:xfrm>
             <a:custGeom>
@@ -25592,7 +25592,7 @@
           </p:nvSpPr>
           <p:spPr>
             <a:xfrm>
-              <a:off x="2925409" y="5347346"/>
+              <a:off x="2923875" y="5350629"/>
               <a:ext cx="73258" cy="41922"/>
             </a:xfrm>
             <a:custGeom>
@@ -25647,7 +25647,7 @@
           </p:nvSpPr>
           <p:spPr>
             <a:xfrm>
-              <a:off x="2933878" y="5355391"/>
+              <a:off x="2932344" y="5358674"/>
               <a:ext cx="56319" cy="19055"/>
             </a:xfrm>
             <a:custGeom>
@@ -25690,7 +25690,7 @@
           </p:nvSpPr>
           <p:spPr>
             <a:xfrm>
-              <a:off x="3020263" y="5291873"/>
+              <a:off x="3018729" y="5295156"/>
               <a:ext cx="47850" cy="97395"/>
             </a:xfrm>
             <a:custGeom>
@@ -25886,7 +25886,7 @@
           </p:nvSpPr>
           <p:spPr>
             <a:xfrm>
-              <a:off x="3061762" y="5291873"/>
+              <a:off x="3060228" y="5295156"/>
               <a:ext cx="58437" cy="97395"/>
             </a:xfrm>
             <a:custGeom>
@@ -26079,8 +26079,8 @@
           </p:nvSpPr>
           <p:spPr>
             <a:xfrm>
-              <a:off x="2081816" y="1811862"/>
-              <a:ext cx="6855275" cy="3834063"/>
+              <a:off x="2080073" y="1810329"/>
+              <a:ext cx="6857019" cy="3839294"/>
             </a:xfrm>
             <a:prstGeom prst="rect">
               <a:avLst/>
@@ -26109,7 +26109,7 @@
           </p:nvSpPr>
           <p:spPr>
             <a:xfrm>
-              <a:off x="1926585" y="5492452"/>
+              <a:off x="1924841" y="5495994"/>
               <a:ext cx="53806" cy="78035"/>
             </a:xfrm>
             <a:custGeom>
@@ -26875,7 +26875,7 @@
           </p:nvSpPr>
           <p:spPr>
             <a:xfrm>
-              <a:off x="1989286" y="5492452"/>
+              <a:off x="1987543" y="5495994"/>
               <a:ext cx="53151" cy="79126"/>
             </a:xfrm>
             <a:custGeom>
@@ -27207,7 +27207,7 @@
                     <a:pt x="13055" y="3181"/>
                   </a:lnTo>
                   <a:lnTo>
-                    <a:pt x="13969" y="2684"/>
+                    <a:pt x="13970" y="2684"/>
                   </a:lnTo>
                   <a:lnTo>
                     <a:pt x="14911" y="2242"/>
@@ -27386,7 +27386,7 @@
           </p:nvSpPr>
           <p:spPr>
             <a:xfrm>
-              <a:off x="2004621" y="5504458"/>
+              <a:off x="2002877" y="5507999"/>
               <a:ext cx="22428" cy="55061"/>
             </a:xfrm>
             <a:custGeom>
@@ -27769,7 +27769,7 @@
                     <a:pt x="13448" y="54851"/>
                   </a:lnTo>
                   <a:lnTo>
-                    <a:pt x="13969" y="54734"/>
+                    <a:pt x="13970" y="54734"/>
                   </a:lnTo>
                   <a:lnTo>
                     <a:pt x="14474" y="54589"/>
@@ -27897,7 +27897,7 @@
           </p:nvSpPr>
           <p:spPr>
             <a:xfrm>
-              <a:off x="1929750" y="5303793"/>
+              <a:off x="1928007" y="5307076"/>
               <a:ext cx="52005" cy="76889"/>
             </a:xfrm>
             <a:custGeom>
@@ -27961,7 +27961,7 @@
           </p:nvSpPr>
           <p:spPr>
             <a:xfrm>
-              <a:off x="1988741" y="5302647"/>
+              <a:off x="1986997" y="5305930"/>
               <a:ext cx="54133" cy="79126"/>
             </a:xfrm>
             <a:custGeom>
@@ -28835,7 +28835,7 @@
           </p:nvSpPr>
           <p:spPr>
             <a:xfrm>
-              <a:off x="2004293" y="5314653"/>
+              <a:off x="2002550" y="5317935"/>
               <a:ext cx="22373" cy="27939"/>
             </a:xfrm>
             <a:custGeom>
@@ -29346,7 +29346,7 @@
           </p:nvSpPr>
           <p:spPr>
             <a:xfrm>
-              <a:off x="1929750" y="5113988"/>
+              <a:off x="1928007" y="5117012"/>
               <a:ext cx="52005" cy="76889"/>
             </a:xfrm>
             <a:custGeom>
@@ -29410,7 +29410,7 @@
           </p:nvSpPr>
           <p:spPr>
             <a:xfrm>
-              <a:off x="1988413" y="5112842"/>
+              <a:off x="1986670" y="5115866"/>
               <a:ext cx="55170" cy="79126"/>
             </a:xfrm>
             <a:custGeom>
@@ -30407,7 +30407,7 @@
           </p:nvSpPr>
           <p:spPr>
             <a:xfrm>
-              <a:off x="2005876" y="5123592"/>
+              <a:off x="2004132" y="5126616"/>
               <a:ext cx="20027" cy="21555"/>
             </a:xfrm>
             <a:custGeom>
@@ -30918,7 +30918,7 @@
           </p:nvSpPr>
           <p:spPr>
             <a:xfrm>
-              <a:off x="2004184" y="5155898"/>
+              <a:off x="2002440" y="5158922"/>
               <a:ext cx="23519" cy="25266"/>
             </a:xfrm>
             <a:custGeom>
@@ -31429,7 +31429,7 @@
           </p:nvSpPr>
           <p:spPr>
             <a:xfrm>
-              <a:off x="1929750" y="4924183"/>
+              <a:off x="1928007" y="4926948"/>
               <a:ext cx="52005" cy="76889"/>
             </a:xfrm>
             <a:custGeom>
@@ -31493,7 +31493,7 @@
           </p:nvSpPr>
           <p:spPr>
             <a:xfrm>
-              <a:off x="1989668" y="4924183"/>
+              <a:off x="1987925" y="4926948"/>
               <a:ext cx="52442" cy="76889"/>
             </a:xfrm>
             <a:custGeom>
@@ -31779,7 +31779,7 @@
           </p:nvSpPr>
           <p:spPr>
             <a:xfrm>
-              <a:off x="1929750" y="4734378"/>
+              <a:off x="1928007" y="4736884"/>
               <a:ext cx="52005" cy="76889"/>
             </a:xfrm>
             <a:custGeom>
@@ -31843,7 +31843,7 @@
           </p:nvSpPr>
           <p:spPr>
             <a:xfrm>
-              <a:off x="1988959" y="4733232"/>
+              <a:off x="1987215" y="4735738"/>
               <a:ext cx="54024" cy="79126"/>
             </a:xfrm>
             <a:custGeom>
@@ -32537,7 +32537,7 @@
           </p:nvSpPr>
           <p:spPr>
             <a:xfrm>
-              <a:off x="2005057" y="4773068"/>
+              <a:off x="2003314" y="4775574"/>
               <a:ext cx="22537" cy="27339"/>
             </a:xfrm>
             <a:custGeom>
@@ -32988,7 +32988,7 @@
           </p:nvSpPr>
           <p:spPr>
             <a:xfrm>
-              <a:off x="1929750" y="4544572"/>
+              <a:off x="1928007" y="4546820"/>
               <a:ext cx="52005" cy="76889"/>
             </a:xfrm>
             <a:custGeom>
@@ -33052,7 +33052,7 @@
           </p:nvSpPr>
           <p:spPr>
             <a:xfrm>
-              <a:off x="1988304" y="4544572"/>
+              <a:off x="1986561" y="4546820"/>
               <a:ext cx="55607" cy="77980"/>
             </a:xfrm>
             <a:custGeom>
@@ -33543,7 +33543,7 @@
                     <a:pt x="36870" y="42266"/>
                   </a:lnTo>
                   <a:lnTo>
-                    <a:pt x="36562" y="41909"/>
+                    <a:pt x="36562" y="41910"/>
                   </a:lnTo>
                   <a:lnTo>
                     <a:pt x="36248" y="41568"/>
@@ -33884,7 +33884,7 @@
           </p:nvSpPr>
           <p:spPr>
             <a:xfrm>
-              <a:off x="1929750" y="4354767"/>
+              <a:off x="1928007" y="4356755"/>
               <a:ext cx="52005" cy="76889"/>
             </a:xfrm>
             <a:custGeom>
@@ -33948,7 +33948,7 @@
           </p:nvSpPr>
           <p:spPr>
             <a:xfrm>
-              <a:off x="1986558" y="4354767"/>
+              <a:off x="1984814" y="4356755"/>
               <a:ext cx="59863" cy="76889"/>
             </a:xfrm>
             <a:custGeom>
@@ -34012,7 +34012,7 @@
           </p:nvSpPr>
           <p:spPr>
             <a:xfrm>
-              <a:off x="1999054" y="4368754"/>
+              <a:off x="1997311" y="4370742"/>
               <a:ext cx="22952" cy="35836"/>
             </a:xfrm>
             <a:custGeom>
@@ -34164,7 +34164,7 @@
                     <a:pt x="22327" y="1184"/>
                   </a:lnTo>
                   <a:lnTo>
-                    <a:pt x="22217" y="1397"/>
+                    <a:pt x="22217" y="1396"/>
                   </a:lnTo>
                   <a:lnTo>
                     <a:pt x="22100" y="1620"/>
@@ -34289,7 +34289,7 @@
           </p:nvSpPr>
           <p:spPr>
             <a:xfrm>
-              <a:off x="1929750" y="4164962"/>
+              <a:off x="1928007" y="4166691"/>
               <a:ext cx="52005" cy="76889"/>
             </a:xfrm>
             <a:custGeom>
@@ -34353,7 +34353,7 @@
           </p:nvSpPr>
           <p:spPr>
             <a:xfrm>
-              <a:off x="1987431" y="4163816"/>
+              <a:off x="1985687" y="4165545"/>
               <a:ext cx="55552" cy="79290"/>
             </a:xfrm>
             <a:custGeom>
@@ -34679,7 +34679,7 @@
                     <a:pt x="20590" y="64866"/>
                   </a:lnTo>
                   <a:lnTo>
-                    <a:pt x="20955" y="65102"/>
+                    <a:pt x="20954" y="65102"/>
                   </a:lnTo>
                   <a:lnTo>
                     <a:pt x="21332" y="65325"/>
@@ -35222,7 +35222,7 @@
                     <a:pt x="10815" y="4673"/>
                   </a:lnTo>
                   <a:lnTo>
-                    <a:pt x="11555" y="4190"/>
+                    <a:pt x="11555" y="4191"/>
                   </a:lnTo>
                   <a:lnTo>
                     <a:pt x="12317" y="3735"/>
@@ -35662,7 +35662,7 @@
           </p:nvSpPr>
           <p:spPr>
             <a:xfrm>
-              <a:off x="1929750" y="3975157"/>
+              <a:off x="1928007" y="3976627"/>
               <a:ext cx="52005" cy="76889"/>
             </a:xfrm>
             <a:custGeom>
@@ -35726,7 +35726,7 @@
           </p:nvSpPr>
           <p:spPr>
             <a:xfrm>
-              <a:off x="1988741" y="3974011"/>
+              <a:off x="1986997" y="3975481"/>
               <a:ext cx="53806" cy="78035"/>
             </a:xfrm>
             <a:custGeom>
@@ -36492,7 +36492,7 @@
           </p:nvSpPr>
           <p:spPr>
             <a:xfrm>
-              <a:off x="1929750" y="3785352"/>
+              <a:off x="1928007" y="3786563"/>
               <a:ext cx="52005" cy="76889"/>
             </a:xfrm>
             <a:custGeom>
@@ -36556,7 +36556,7 @@
           </p:nvSpPr>
           <p:spPr>
             <a:xfrm>
-              <a:off x="1991906" y="3785352"/>
+              <a:off x="1990162" y="3786563"/>
               <a:ext cx="52005" cy="76889"/>
             </a:xfrm>
             <a:custGeom>
@@ -36620,7 +36620,7 @@
           </p:nvSpPr>
           <p:spPr>
             <a:xfrm>
-              <a:off x="1929750" y="3595547"/>
+              <a:off x="1928007" y="3596499"/>
               <a:ext cx="52005" cy="76889"/>
             </a:xfrm>
             <a:custGeom>
@@ -36684,7 +36684,7 @@
           </p:nvSpPr>
           <p:spPr>
             <a:xfrm>
-              <a:off x="1989286" y="3594401"/>
+              <a:off x="1987543" y="3595353"/>
               <a:ext cx="53151" cy="79126"/>
             </a:xfrm>
             <a:custGeom>
@@ -37016,7 +37016,7 @@
                     <a:pt x="13055" y="3181"/>
                   </a:lnTo>
                   <a:lnTo>
-                    <a:pt x="13969" y="2684"/>
+                    <a:pt x="13970" y="2684"/>
                   </a:lnTo>
                   <a:lnTo>
                     <a:pt x="14911" y="2242"/>
@@ -37195,7 +37195,7 @@
           </p:nvSpPr>
           <p:spPr>
             <a:xfrm>
-              <a:off x="2004621" y="3606406"/>
+              <a:off x="2002877" y="3607359"/>
               <a:ext cx="22428" cy="55061"/>
             </a:xfrm>
             <a:custGeom>
@@ -37578,7 +37578,7 @@
                     <a:pt x="13448" y="54851"/>
                   </a:lnTo>
                   <a:lnTo>
-                    <a:pt x="13969" y="54734"/>
+                    <a:pt x="13970" y="54734"/>
                   </a:lnTo>
                   <a:lnTo>
                     <a:pt x="14474" y="54589"/>
@@ -37706,7 +37706,7 @@
           </p:nvSpPr>
           <p:spPr>
             <a:xfrm>
-              <a:off x="1988741" y="3404596"/>
+              <a:off x="1986997" y="3405289"/>
               <a:ext cx="54133" cy="79126"/>
             </a:xfrm>
             <a:custGeom>
@@ -38580,13 +38580,13 @@
           </p:nvSpPr>
           <p:spPr>
             <a:xfrm>
-              <a:off x="2004293" y="3416601"/>
-              <a:ext cx="22373" cy="27940"/>
+              <a:off x="2002550" y="3417295"/>
+              <a:ext cx="22373" cy="27939"/>
             </a:xfrm>
             <a:custGeom>
               <a:avLst/>
               <a:pathLst>
-                <a:path w="22373" h="27940">
+                <a:path w="22373" h="27939">
                   <a:moveTo>
                     <a:pt x="22373" y="15607"/>
                   </a:moveTo>
@@ -38948,7 +38948,7 @@
                     <a:pt x="10439" y="27929"/>
                   </a:lnTo>
                   <a:lnTo>
-                    <a:pt x="10968" y="27940"/>
+                    <a:pt x="10968" y="27939"/>
                   </a:lnTo>
                   <a:lnTo>
                     <a:pt x="11393" y="27932"/>
@@ -39091,7 +39091,7 @@
           </p:nvSpPr>
           <p:spPr>
             <a:xfrm>
-              <a:off x="1988413" y="3214790"/>
+              <a:off x="1986670" y="3215225"/>
               <a:ext cx="55170" cy="79126"/>
             </a:xfrm>
             <a:custGeom>
@@ -40088,7 +40088,7 @@
           </p:nvSpPr>
           <p:spPr>
             <a:xfrm>
-              <a:off x="2005876" y="3225541"/>
+              <a:off x="2004132" y="3225975"/>
               <a:ext cx="20027" cy="21555"/>
             </a:xfrm>
             <a:custGeom>
@@ -40599,7 +40599,7 @@
           </p:nvSpPr>
           <p:spPr>
             <a:xfrm>
-              <a:off x="2004184" y="3257846"/>
+              <a:off x="2002440" y="3258281"/>
               <a:ext cx="23519" cy="25266"/>
             </a:xfrm>
             <a:custGeom>
@@ -41110,7 +41110,7 @@
           </p:nvSpPr>
           <p:spPr>
             <a:xfrm>
-              <a:off x="1989668" y="3026131"/>
+              <a:off x="1987925" y="3026307"/>
               <a:ext cx="52442" cy="76889"/>
             </a:xfrm>
             <a:custGeom>
@@ -41396,7 +41396,7 @@
           </p:nvSpPr>
           <p:spPr>
             <a:xfrm>
-              <a:off x="1988959" y="2835180"/>
+              <a:off x="1987215" y="2835097"/>
               <a:ext cx="54024" cy="79126"/>
             </a:xfrm>
             <a:custGeom>
@@ -42090,7 +42090,7 @@
           </p:nvSpPr>
           <p:spPr>
             <a:xfrm>
-              <a:off x="2005057" y="2875017"/>
+              <a:off x="2003314" y="2874933"/>
               <a:ext cx="22537" cy="27339"/>
             </a:xfrm>
             <a:custGeom>
@@ -42541,7 +42541,7 @@
           </p:nvSpPr>
           <p:spPr>
             <a:xfrm>
-              <a:off x="1988304" y="2646521"/>
+              <a:off x="1986561" y="2646179"/>
               <a:ext cx="55607" cy="77980"/>
             </a:xfrm>
             <a:custGeom>
@@ -43373,7 +43373,7 @@
           </p:nvSpPr>
           <p:spPr>
             <a:xfrm>
-              <a:off x="1986558" y="2456716"/>
+              <a:off x="1984814" y="2456115"/>
               <a:ext cx="59863" cy="76889"/>
             </a:xfrm>
             <a:custGeom>
@@ -43437,7 +43437,7 @@
           </p:nvSpPr>
           <p:spPr>
             <a:xfrm>
-              <a:off x="1999054" y="2470702"/>
+              <a:off x="1997311" y="2470101"/>
               <a:ext cx="22952" cy="35836"/>
             </a:xfrm>
             <a:custGeom>
@@ -43714,7 +43714,7 @@
           </p:nvSpPr>
           <p:spPr>
             <a:xfrm>
-              <a:off x="1987431" y="2265765"/>
+              <a:off x="1985687" y="2264905"/>
               <a:ext cx="55552" cy="79290"/>
             </a:xfrm>
             <a:custGeom>
@@ -44040,7 +44040,7 @@
                     <a:pt x="20590" y="64866"/>
                   </a:lnTo>
                   <a:lnTo>
-                    <a:pt x="20955" y="65102"/>
+                    <a:pt x="20954" y="65102"/>
                   </a:lnTo>
                   <a:lnTo>
                     <a:pt x="21332" y="65325"/>
@@ -45023,7 +45023,7 @@
           </p:nvSpPr>
           <p:spPr>
             <a:xfrm>
-              <a:off x="1988741" y="2075960"/>
+              <a:off x="1986997" y="2074840"/>
               <a:ext cx="53806" cy="78035"/>
             </a:xfrm>
             <a:custGeom>
@@ -45789,7 +45789,7 @@
           </p:nvSpPr>
           <p:spPr>
             <a:xfrm>
-              <a:off x="1991906" y="1887300"/>
+              <a:off x="1990162" y="1885922"/>
               <a:ext cx="52005" cy="76889"/>
             </a:xfrm>
             <a:custGeom>
@@ -45853,7 +45853,7 @@
           </p:nvSpPr>
           <p:spPr>
             <a:xfrm>
-              <a:off x="2047022" y="5532043"/>
+              <a:off x="2045278" y="5535585"/>
               <a:ext cx="34794" cy="0"/>
             </a:xfrm>
             <a:custGeom>
@@ -45893,7 +45893,7 @@
           </p:nvSpPr>
           <p:spPr>
             <a:xfrm>
-              <a:off x="2047022" y="5342238"/>
+              <a:off x="2045278" y="5345521"/>
               <a:ext cx="34794" cy="0"/>
             </a:xfrm>
             <a:custGeom>
@@ -45933,7 +45933,7 @@
           </p:nvSpPr>
           <p:spPr>
             <a:xfrm>
-              <a:off x="2047022" y="5152433"/>
+              <a:off x="2045278" y="5155457"/>
               <a:ext cx="34794" cy="0"/>
             </a:xfrm>
             <a:custGeom>
@@ -45973,7 +45973,7 @@
           </p:nvSpPr>
           <p:spPr>
             <a:xfrm>
-              <a:off x="2047022" y="4962628"/>
+              <a:off x="2045278" y="4965393"/>
               <a:ext cx="34794" cy="0"/>
             </a:xfrm>
             <a:custGeom>
@@ -46013,7 +46013,7 @@
           </p:nvSpPr>
           <p:spPr>
             <a:xfrm>
-              <a:off x="2047022" y="4772822"/>
+              <a:off x="2045278" y="4775328"/>
               <a:ext cx="34794" cy="0"/>
             </a:xfrm>
             <a:custGeom>
@@ -46053,7 +46053,7 @@
           </p:nvSpPr>
           <p:spPr>
             <a:xfrm>
-              <a:off x="2047022" y="4583017"/>
+              <a:off x="2045278" y="4585264"/>
               <a:ext cx="34794" cy="0"/>
             </a:xfrm>
             <a:custGeom>
@@ -46093,7 +46093,7 @@
           </p:nvSpPr>
           <p:spPr>
             <a:xfrm>
-              <a:off x="2047022" y="4393212"/>
+              <a:off x="2045278" y="4395200"/>
               <a:ext cx="34794" cy="0"/>
             </a:xfrm>
             <a:custGeom>
@@ -46133,7 +46133,7 @@
           </p:nvSpPr>
           <p:spPr>
             <a:xfrm>
-              <a:off x="2047022" y="4203407"/>
+              <a:off x="2045278" y="4205136"/>
               <a:ext cx="34794" cy="0"/>
             </a:xfrm>
             <a:custGeom>
@@ -46173,7 +46173,7 @@
           </p:nvSpPr>
           <p:spPr>
             <a:xfrm>
-              <a:off x="2047022" y="4013602"/>
+              <a:off x="2045278" y="4015072"/>
               <a:ext cx="34794" cy="0"/>
             </a:xfrm>
             <a:custGeom>
@@ -46213,7 +46213,7 @@
           </p:nvSpPr>
           <p:spPr>
             <a:xfrm>
-              <a:off x="2047022" y="3823797"/>
+              <a:off x="2045278" y="3825008"/>
               <a:ext cx="34794" cy="0"/>
             </a:xfrm>
             <a:custGeom>
@@ -46253,7 +46253,7 @@
           </p:nvSpPr>
           <p:spPr>
             <a:xfrm>
-              <a:off x="2047022" y="3633992"/>
+              <a:off x="2045278" y="3634944"/>
               <a:ext cx="34794" cy="0"/>
             </a:xfrm>
             <a:custGeom>
@@ -46293,7 +46293,7 @@
           </p:nvSpPr>
           <p:spPr>
             <a:xfrm>
-              <a:off x="2047022" y="3444186"/>
+              <a:off x="2045278" y="3444880"/>
               <a:ext cx="34794" cy="0"/>
             </a:xfrm>
             <a:custGeom>
@@ -46333,7 +46333,7 @@
           </p:nvSpPr>
           <p:spPr>
             <a:xfrm>
-              <a:off x="2047022" y="3254381"/>
+              <a:off x="2045278" y="3254816"/>
               <a:ext cx="34794" cy="0"/>
             </a:xfrm>
             <a:custGeom>
@@ -46373,7 +46373,7 @@
           </p:nvSpPr>
           <p:spPr>
             <a:xfrm>
-              <a:off x="2047022" y="3064576"/>
+              <a:off x="2045278" y="3064752"/>
               <a:ext cx="34794" cy="0"/>
             </a:xfrm>
             <a:custGeom>
@@ -46413,7 +46413,7 @@
           </p:nvSpPr>
           <p:spPr>
             <a:xfrm>
-              <a:off x="2047022" y="2874771"/>
+              <a:off x="2045278" y="2874688"/>
               <a:ext cx="34794" cy="0"/>
             </a:xfrm>
             <a:custGeom>
@@ -46453,7 +46453,7 @@
           </p:nvSpPr>
           <p:spPr>
             <a:xfrm>
-              <a:off x="2047022" y="2684966"/>
+              <a:off x="2045278" y="2684623"/>
               <a:ext cx="34794" cy="0"/>
             </a:xfrm>
             <a:custGeom>
@@ -46493,7 +46493,7 @@
           </p:nvSpPr>
           <p:spPr>
             <a:xfrm>
-              <a:off x="2047022" y="2495161"/>
+              <a:off x="2045278" y="2494559"/>
               <a:ext cx="34794" cy="0"/>
             </a:xfrm>
             <a:custGeom>
@@ -46533,7 +46533,7 @@
           </p:nvSpPr>
           <p:spPr>
             <a:xfrm>
-              <a:off x="2047022" y="2305356"/>
+              <a:off x="2045278" y="2304495"/>
               <a:ext cx="34794" cy="0"/>
             </a:xfrm>
             <a:custGeom>
@@ -46573,7 +46573,7 @@
           </p:nvSpPr>
           <p:spPr>
             <a:xfrm>
-              <a:off x="2047022" y="2115550"/>
+              <a:off x="2045278" y="2114431"/>
               <a:ext cx="34794" cy="0"/>
             </a:xfrm>
             <a:custGeom>
@@ -46613,7 +46613,7 @@
           </p:nvSpPr>
           <p:spPr>
             <a:xfrm>
-              <a:off x="2047022" y="1925745"/>
+              <a:off x="2045278" y="1924367"/>
               <a:ext cx="34794" cy="0"/>
             </a:xfrm>
             <a:custGeom>
@@ -46653,7 +46653,7 @@
           </p:nvSpPr>
           <p:spPr>
             <a:xfrm>
-              <a:off x="2081816" y="5645926"/>
+              <a:off x="2080073" y="5649623"/>
               <a:ext cx="0" cy="34794"/>
             </a:xfrm>
             <a:custGeom>
@@ -46693,7 +46693,7 @@
           </p:nvSpPr>
           <p:spPr>
             <a:xfrm>
-              <a:off x="3957056" y="5645926"/>
+              <a:off x="3955789" y="5649623"/>
               <a:ext cx="0" cy="34794"/>
             </a:xfrm>
             <a:custGeom>
@@ -46733,7 +46733,7 @@
           </p:nvSpPr>
           <p:spPr>
             <a:xfrm>
-              <a:off x="5832295" y="5645926"/>
+              <a:off x="5831506" y="5649623"/>
               <a:ext cx="0" cy="34794"/>
             </a:xfrm>
             <a:custGeom>
@@ -46773,7 +46773,7 @@
           </p:nvSpPr>
           <p:spPr>
             <a:xfrm>
-              <a:off x="7707535" y="5645926"/>
+              <a:off x="7707222" y="5649623"/>
               <a:ext cx="0" cy="34794"/>
             </a:xfrm>
             <a:custGeom>
@@ -46813,7 +46813,7 @@
           </p:nvSpPr>
           <p:spPr>
             <a:xfrm>
-              <a:off x="2055104" y="5707410"/>
+              <a:off x="2053361" y="5711107"/>
               <a:ext cx="53424" cy="79126"/>
             </a:xfrm>
             <a:custGeom>
@@ -47256,7 +47256,7 @@
                     <a:pt x="48312" y="12306"/>
                   </a:lnTo>
                   <a:lnTo>
-                    <a:pt x="48894" y="13492"/>
+                    <a:pt x="48895" y="13492"/>
                   </a:lnTo>
                   <a:lnTo>
                     <a:pt x="49447" y="14740"/>
@@ -47324,7 +47324,7 @@
           </p:nvSpPr>
           <p:spPr>
             <a:xfrm>
-              <a:off x="2065036" y="5715377"/>
+              <a:off x="2063292" y="5719075"/>
               <a:ext cx="33506" cy="63137"/>
             </a:xfrm>
             <a:custGeom>
@@ -47835,7 +47835,7 @@
           </p:nvSpPr>
           <p:spPr>
             <a:xfrm>
-              <a:off x="3869443" y="5707410"/>
+              <a:off x="3868177" y="5711107"/>
               <a:ext cx="50914" cy="78035"/>
             </a:xfrm>
             <a:custGeom>
@@ -48781,7 +48781,7 @@
           </p:nvSpPr>
           <p:spPr>
             <a:xfrm>
-              <a:off x="3930453" y="5708556"/>
+              <a:off x="3929186" y="5712253"/>
               <a:ext cx="52987" cy="77980"/>
             </a:xfrm>
             <a:custGeom>
@@ -49733,7 +49733,7 @@
           </p:nvSpPr>
           <p:spPr>
             <a:xfrm>
-              <a:off x="3992499" y="5707410"/>
+              <a:off x="3991233" y="5711107"/>
               <a:ext cx="53424" cy="79126"/>
             </a:xfrm>
             <a:custGeom>
@@ -50244,7 +50244,7 @@
           </p:nvSpPr>
           <p:spPr>
             <a:xfrm>
-              <a:off x="4002431" y="5715377"/>
+              <a:off x="4001164" y="5719075"/>
               <a:ext cx="33506" cy="63137"/>
             </a:xfrm>
             <a:custGeom>
@@ -50755,7 +50755,7 @@
           </p:nvSpPr>
           <p:spPr>
             <a:xfrm>
-              <a:off x="5743537" y="5708556"/>
+              <a:off x="5742747" y="5712253"/>
               <a:ext cx="52987" cy="77980"/>
             </a:xfrm>
             <a:custGeom>
@@ -51707,7 +51707,7 @@
           </p:nvSpPr>
           <p:spPr>
             <a:xfrm>
-              <a:off x="5805583" y="5707410"/>
+              <a:off x="5804794" y="5711107"/>
               <a:ext cx="53424" cy="79126"/>
             </a:xfrm>
             <a:custGeom>
@@ -52218,7 +52218,7 @@
           </p:nvSpPr>
           <p:spPr>
             <a:xfrm>
-              <a:off x="5815515" y="5715377"/>
+              <a:off x="5814725" y="5719075"/>
               <a:ext cx="33506" cy="63137"/>
             </a:xfrm>
             <a:custGeom>
@@ -52729,7 +52729,7 @@
           </p:nvSpPr>
           <p:spPr>
             <a:xfrm>
-              <a:off x="5867739" y="5707410"/>
+              <a:off x="5866949" y="5711107"/>
               <a:ext cx="53424" cy="79126"/>
             </a:xfrm>
             <a:custGeom>
@@ -53240,7 +53240,7 @@
           </p:nvSpPr>
           <p:spPr>
             <a:xfrm>
-              <a:off x="5877671" y="5715377"/>
+              <a:off x="5876881" y="5719075"/>
               <a:ext cx="33506" cy="63137"/>
             </a:xfrm>
             <a:custGeom>
@@ -53751,7 +53751,7 @@
           </p:nvSpPr>
           <p:spPr>
             <a:xfrm>
-              <a:off x="7620031" y="5708556"/>
+              <a:off x="7619719" y="5712253"/>
               <a:ext cx="50804" cy="76889"/>
             </a:xfrm>
             <a:custGeom>
@@ -54037,7 +54037,7 @@
           </p:nvSpPr>
           <p:spPr>
             <a:xfrm>
-              <a:off x="7680932" y="5708556"/>
+              <a:off x="7680619" y="5712253"/>
               <a:ext cx="52987" cy="77980"/>
             </a:xfrm>
             <a:custGeom>
@@ -54989,7 +54989,7 @@
           </p:nvSpPr>
           <p:spPr>
             <a:xfrm>
-              <a:off x="7742978" y="5707410"/>
+              <a:off x="7742666" y="5711107"/>
               <a:ext cx="53424" cy="79126"/>
             </a:xfrm>
             <a:custGeom>
@@ -55500,7 +55500,7 @@
           </p:nvSpPr>
           <p:spPr>
             <a:xfrm>
-              <a:off x="7752910" y="5715377"/>
+              <a:off x="7752597" y="5719075"/>
               <a:ext cx="33506" cy="63137"/>
             </a:xfrm>
             <a:custGeom>
